--- a/Daily Agendas/Day7.2_MorseCodeChallange2_Oct17.pptx
+++ b/Daily Agendas/Day7.2_MorseCodeChallange2_Oct17.pptx
@@ -6,10 +6,10 @@
   </p:sldMasterIdLst>
   <p:sldIdLst>
     <p:sldId id="256" r:id="rId2"/>
-    <p:sldId id="275" r:id="rId3"/>
-    <p:sldId id="274" r:id="rId4"/>
-    <p:sldId id="276" r:id="rId5"/>
-    <p:sldId id="273" r:id="rId6"/>
+    <p:sldId id="276" r:id="rId3"/>
+    <p:sldId id="277" r:id="rId4"/>
+    <p:sldId id="278" r:id="rId5"/>
+    <p:sldId id="279" r:id="rId6"/>
   </p:sldIdLst>
   <p:sldSz cx="9144000" cy="6858000" type="screen4x3"/>
   <p:notesSz cx="6858000" cy="9144000"/>
@@ -307,7 +307,7 @@
             <a:fld id="{1D8BD707-D9CF-40AE-B4C6-C98DA3205C09}" type="datetimeFigureOut">
               <a:rPr lang="en-US" smtClean="0"/>
               <a:pPr/>
-              <a:t>10/15/2017</a:t>
+              <a:t>10/17/2017</a:t>
             </a:fld>
             <a:endParaRPr lang="en-US"/>
           </a:p>
@@ -472,7 +472,7 @@
             <a:fld id="{1D8BD707-D9CF-40AE-B4C6-C98DA3205C09}" type="datetimeFigureOut">
               <a:rPr lang="en-US" smtClean="0"/>
               <a:pPr/>
-              <a:t>10/15/2017</a:t>
+              <a:t>10/17/2017</a:t>
             </a:fld>
             <a:endParaRPr lang="en-US"/>
           </a:p>
@@ -647,7 +647,7 @@
             <a:fld id="{1D8BD707-D9CF-40AE-B4C6-C98DA3205C09}" type="datetimeFigureOut">
               <a:rPr lang="en-US" smtClean="0"/>
               <a:pPr/>
-              <a:t>10/15/2017</a:t>
+              <a:t>10/17/2017</a:t>
             </a:fld>
             <a:endParaRPr lang="en-US"/>
           </a:p>
@@ -812,7 +812,7 @@
             <a:fld id="{1D8BD707-D9CF-40AE-B4C6-C98DA3205C09}" type="datetimeFigureOut">
               <a:rPr lang="en-US" smtClean="0"/>
               <a:pPr/>
-              <a:t>10/15/2017</a:t>
+              <a:t>10/17/2017</a:t>
             </a:fld>
             <a:endParaRPr lang="en-US"/>
           </a:p>
@@ -1054,7 +1054,7 @@
             <a:fld id="{1D8BD707-D9CF-40AE-B4C6-C98DA3205C09}" type="datetimeFigureOut">
               <a:rPr lang="en-US" smtClean="0"/>
               <a:pPr/>
-              <a:t>10/15/2017</a:t>
+              <a:t>10/17/2017</a:t>
             </a:fld>
             <a:endParaRPr lang="en-US"/>
           </a:p>
@@ -1336,7 +1336,7 @@
             <a:fld id="{1D8BD707-D9CF-40AE-B4C6-C98DA3205C09}" type="datetimeFigureOut">
               <a:rPr lang="en-US" smtClean="0"/>
               <a:pPr/>
-              <a:t>10/15/2017</a:t>
+              <a:t>10/17/2017</a:t>
             </a:fld>
             <a:endParaRPr lang="en-US"/>
           </a:p>
@@ -1752,7 +1752,7 @@
             <a:fld id="{1D8BD707-D9CF-40AE-B4C6-C98DA3205C09}" type="datetimeFigureOut">
               <a:rPr lang="en-US" smtClean="0"/>
               <a:pPr/>
-              <a:t>10/15/2017</a:t>
+              <a:t>10/17/2017</a:t>
             </a:fld>
             <a:endParaRPr lang="en-US"/>
           </a:p>
@@ -1866,7 +1866,7 @@
             <a:fld id="{1D8BD707-D9CF-40AE-B4C6-C98DA3205C09}" type="datetimeFigureOut">
               <a:rPr lang="en-US" smtClean="0"/>
               <a:pPr/>
-              <a:t>10/15/2017</a:t>
+              <a:t>10/17/2017</a:t>
             </a:fld>
             <a:endParaRPr lang="en-US"/>
           </a:p>
@@ -1958,7 +1958,7 @@
             <a:fld id="{1D8BD707-D9CF-40AE-B4C6-C98DA3205C09}" type="datetimeFigureOut">
               <a:rPr lang="en-US" smtClean="0"/>
               <a:pPr/>
-              <a:t>10/15/2017</a:t>
+              <a:t>10/17/2017</a:t>
             </a:fld>
             <a:endParaRPr lang="en-US"/>
           </a:p>
@@ -2230,7 +2230,7 @@
             <a:fld id="{1D8BD707-D9CF-40AE-B4C6-C98DA3205C09}" type="datetimeFigureOut">
               <a:rPr lang="en-US" smtClean="0"/>
               <a:pPr/>
-              <a:t>10/15/2017</a:t>
+              <a:t>10/17/2017</a:t>
             </a:fld>
             <a:endParaRPr lang="en-US"/>
           </a:p>
@@ -2479,7 +2479,7 @@
             <a:fld id="{1D8BD707-D9CF-40AE-B4C6-C98DA3205C09}" type="datetimeFigureOut">
               <a:rPr lang="en-US" smtClean="0"/>
               <a:pPr/>
-              <a:t>10/15/2017</a:t>
+              <a:t>10/17/2017</a:t>
             </a:fld>
             <a:endParaRPr lang="en-US"/>
           </a:p>
@@ -2687,7 +2687,7 @@
             <a:fld id="{1D8BD707-D9CF-40AE-B4C6-C98DA3205C09}" type="datetimeFigureOut">
               <a:rPr lang="en-US" smtClean="0"/>
               <a:pPr/>
-              <a:t>10/15/2017</a:t>
+              <a:t>10/17/2017</a:t>
             </a:fld>
             <a:endParaRPr lang="en-US"/>
           </a:p>
@@ -3181,6 +3181,13 @@
   <p:clrMapOvr>
     <a:masterClrMapping/>
   </p:clrMapOvr>
+  <p:timing>
+    <p:tnLst>
+      <p:par>
+        <p:cTn id="1" dur="indefinite" restart="never" nodeType="tmRoot"/>
+      </p:par>
+    </p:tnLst>
+  </p:timing>
 </p:sld>
 </file>
 
@@ -3206,7 +3213,7 @@
           <p:cNvPr id="2" name="Title 1">
             <a:extLst>
               <a:ext uri="{FF2B5EF4-FFF2-40B4-BE49-F238E27FC236}">
-                <a16:creationId xmlns:a16="http://schemas.microsoft.com/office/drawing/2014/main" id="{E564990F-6817-4CE6-ACB0-FBC870AEAF4B}"/>
+                <a16:creationId xmlns:a16="http://schemas.microsoft.com/office/drawing/2014/main" xmlns="" id="{42EBA112-58B9-43CA-9BF8-64B8890ECC43}"/>
               </a:ext>
             </a:extLst>
           </p:cNvPr>
@@ -3224,7 +3231,7 @@
           <a:p>
             <a:r>
               <a:rPr lang="en-US" dirty="0"/>
-              <a:t>Computers &amp; Communication</a:t>
+              <a:t>Morse Code</a:t>
             </a:r>
           </a:p>
         </p:txBody>
@@ -3234,472 +3241,7 @@
           <p:cNvPr id="3" name="Content Placeholder 2">
             <a:extLst>
               <a:ext uri="{FF2B5EF4-FFF2-40B4-BE49-F238E27FC236}">
-                <a16:creationId xmlns:a16="http://schemas.microsoft.com/office/drawing/2014/main" id="{8FF5271E-389A-4F7F-83F1-DC1A9645BD6D}"/>
-              </a:ext>
-            </a:extLst>
-          </p:cNvPr>
-          <p:cNvSpPr>
-            <a:spLocks noGrp="1"/>
-          </p:cNvSpPr>
-          <p:nvPr>
-            <p:ph idx="1"/>
-          </p:nvPr>
-        </p:nvSpPr>
-        <p:spPr>
-          <a:xfrm>
-            <a:off x="1066800" y="1676400"/>
-            <a:ext cx="8229600" cy="4525963"/>
-          </a:xfrm>
-        </p:spPr>
-        <p:txBody>
-          <a:bodyPr/>
-          <a:lstStyle/>
-          <a:p>
-            <a:r>
-              <a:rPr lang="en-US" dirty="0"/>
-              <a:t>What came before the Internet?</a:t>
-            </a:r>
-          </a:p>
-        </p:txBody>
-      </p:sp>
-      <p:pic>
-        <p:nvPicPr>
-          <p:cNvPr id="1026" name="Picture 2" descr="Image result for Telegraph Wires">
-            <a:extLst>
-              <a:ext uri="{FF2B5EF4-FFF2-40B4-BE49-F238E27FC236}">
-                <a16:creationId xmlns:a16="http://schemas.microsoft.com/office/drawing/2014/main" id="{753B59CB-B456-4919-80BA-34F907315D8B}"/>
-              </a:ext>
-            </a:extLst>
-          </p:cNvPr>
-          <p:cNvPicPr>
-            <a:picLocks noChangeAspect="1" noChangeArrowheads="1"/>
-          </p:cNvPicPr>
-          <p:nvPr/>
-        </p:nvPicPr>
-        <p:blipFill>
-          <a:blip r:embed="rId2">
-            <a:extLst>
-              <a:ext uri="{28A0092B-C50C-407E-A947-70E740481C1C}">
-                <a14:useLocalDpi xmlns:a14="http://schemas.microsoft.com/office/drawing/2010/main" val="0"/>
-              </a:ext>
-            </a:extLst>
-          </a:blip>
-          <a:srcRect/>
-          <a:stretch>
-            <a:fillRect/>
-          </a:stretch>
-        </p:blipFill>
-        <p:spPr bwMode="auto">
-          <a:xfrm>
-            <a:off x="1066800" y="2667000"/>
-            <a:ext cx="4422394" cy="1928019"/>
-          </a:xfrm>
-          <a:prstGeom prst="rect">
-            <a:avLst/>
-          </a:prstGeom>
-          <a:noFill/>
-          <a:extLst>
-            <a:ext uri="{909E8E84-426E-40DD-AFC4-6F175D3DCCD1}">
-              <a14:hiddenFill xmlns:a14="http://schemas.microsoft.com/office/drawing/2010/main">
-                <a:solidFill>
-                  <a:srgbClr val="FFFFFF"/>
-                </a:solidFill>
-              </a14:hiddenFill>
-            </a:ext>
-          </a:extLst>
-        </p:spPr>
-      </p:pic>
-      <p:pic>
-        <p:nvPicPr>
-          <p:cNvPr id="1028" name="Picture 4" descr="Image result for Telegraph key">
-            <a:extLst>
-              <a:ext uri="{FF2B5EF4-FFF2-40B4-BE49-F238E27FC236}">
-                <a16:creationId xmlns:a16="http://schemas.microsoft.com/office/drawing/2014/main" id="{E70F1F0E-10CC-4F1D-974F-A30C6E7E24C9}"/>
-              </a:ext>
-            </a:extLst>
-          </p:cNvPr>
-          <p:cNvPicPr>
-            <a:picLocks noChangeAspect="1" noChangeArrowheads="1"/>
-          </p:cNvPicPr>
-          <p:nvPr/>
-        </p:nvPicPr>
-        <p:blipFill>
-          <a:blip r:embed="rId3">
-            <a:extLst>
-              <a:ext uri="{28A0092B-C50C-407E-A947-70E740481C1C}">
-                <a14:useLocalDpi xmlns:a14="http://schemas.microsoft.com/office/drawing/2010/main" val="0"/>
-              </a:ext>
-            </a:extLst>
-          </a:blip>
-          <a:srcRect/>
-          <a:stretch>
-            <a:fillRect/>
-          </a:stretch>
-        </p:blipFill>
-        <p:spPr bwMode="auto">
-          <a:xfrm>
-            <a:off x="5181600" y="4234787"/>
-            <a:ext cx="3286125" cy="1967576"/>
-          </a:xfrm>
-          <a:prstGeom prst="rect">
-            <a:avLst/>
-          </a:prstGeom>
-          <a:noFill/>
-          <a:extLst>
-            <a:ext uri="{909E8E84-426E-40DD-AFC4-6F175D3DCCD1}">
-              <a14:hiddenFill xmlns:a14="http://schemas.microsoft.com/office/drawing/2010/main">
-                <a:solidFill>
-                  <a:srgbClr val="FFFFFF"/>
-                </a:solidFill>
-              </a14:hiddenFill>
-            </a:ext>
-          </a:extLst>
-        </p:spPr>
-      </p:pic>
-    </p:spTree>
-    <p:extLst>
-      <p:ext uri="{BB962C8B-B14F-4D97-AF65-F5344CB8AC3E}">
-        <p14:creationId xmlns:p14="http://schemas.microsoft.com/office/powerpoint/2010/main" val="678100220"/>
-      </p:ext>
-    </p:extLst>
-  </p:cSld>
-  <p:clrMapOvr>
-    <a:masterClrMapping/>
-  </p:clrMapOvr>
-</p:sld>
-</file>
-
-<file path=ppt/slides/slide3.xml><?xml version="1.0" encoding="utf-8"?>
-<p:sld xmlns:a="http://schemas.openxmlformats.org/drawingml/2006/main" xmlns:r="http://schemas.openxmlformats.org/officeDocument/2006/relationships" xmlns:p="http://schemas.openxmlformats.org/presentationml/2006/main">
-  <p:cSld>
-    <p:spTree>
-      <p:nvGrpSpPr>
-        <p:cNvPr id="1" name=""/>
-        <p:cNvGrpSpPr/>
-        <p:nvPr/>
-      </p:nvGrpSpPr>
-      <p:grpSpPr>
-        <a:xfrm>
-          <a:off x="0" y="0"/>
-          <a:ext cx="0" cy="0"/>
-          <a:chOff x="0" y="0"/>
-          <a:chExt cx="0" cy="0"/>
-        </a:xfrm>
-      </p:grpSpPr>
-      <p:sp>
-        <p:nvSpPr>
-          <p:cNvPr id="2" name="Title 1">
-            <a:extLst>
-              <a:ext uri="{FF2B5EF4-FFF2-40B4-BE49-F238E27FC236}">
-                <a16:creationId xmlns:a16="http://schemas.microsoft.com/office/drawing/2014/main" id="{E564990F-6817-4CE6-ACB0-FBC870AEAF4B}"/>
-              </a:ext>
-            </a:extLst>
-          </p:cNvPr>
-          <p:cNvSpPr>
-            <a:spLocks noGrp="1"/>
-          </p:cNvSpPr>
-          <p:nvPr>
-            <p:ph type="title"/>
-          </p:nvPr>
-        </p:nvSpPr>
-        <p:spPr/>
-        <p:txBody>
-          <a:bodyPr>
-            <a:normAutofit fontScale="90000"/>
-          </a:bodyPr>
-          <a:lstStyle/>
-          <a:p>
-            <a:r>
-              <a:rPr lang="en-US" dirty="0"/>
-              <a:t>Save Our Souls</a:t>
-            </a:r>
-            <a:br>
-              <a:rPr lang="en-US" dirty="0"/>
-            </a:br>
-            <a:r>
-              <a:rPr lang="en-US" dirty="0"/>
-              <a:t>(Universal Distress Signal)</a:t>
-            </a:r>
-          </a:p>
-        </p:txBody>
-      </p:sp>
-      <p:sp>
-        <p:nvSpPr>
-          <p:cNvPr id="3" name="Content Placeholder 2">
-            <a:extLst>
-              <a:ext uri="{FF2B5EF4-FFF2-40B4-BE49-F238E27FC236}">
-                <a16:creationId xmlns:a16="http://schemas.microsoft.com/office/drawing/2014/main" id="{8FF5271E-389A-4F7F-83F1-DC1A9645BD6D}"/>
-              </a:ext>
-            </a:extLst>
-          </p:cNvPr>
-          <p:cNvSpPr>
-            <a:spLocks noGrp="1"/>
-          </p:cNvSpPr>
-          <p:nvPr>
-            <p:ph idx="1"/>
-          </p:nvPr>
-        </p:nvSpPr>
-        <p:spPr/>
-        <p:txBody>
-          <a:bodyPr/>
-          <a:lstStyle/>
-          <a:p>
-            <a:endParaRPr lang="en-US" dirty="0"/>
-          </a:p>
-        </p:txBody>
-      </p:sp>
-      <p:pic>
-        <p:nvPicPr>
-          <p:cNvPr id="2050" name="Picture 2" descr="Image result for SOS">
-            <a:extLst>
-              <a:ext uri="{FF2B5EF4-FFF2-40B4-BE49-F238E27FC236}">
-                <a16:creationId xmlns:a16="http://schemas.microsoft.com/office/drawing/2014/main" id="{771E13B2-4FCF-4777-BAEB-A4396723EEB2}"/>
-              </a:ext>
-            </a:extLst>
-          </p:cNvPr>
-          <p:cNvPicPr>
-            <a:picLocks noChangeAspect="1" noChangeArrowheads="1"/>
-          </p:cNvPicPr>
-          <p:nvPr/>
-        </p:nvPicPr>
-        <p:blipFill>
-          <a:blip r:embed="rId2">
-            <a:extLst>
-              <a:ext uri="{28A0092B-C50C-407E-A947-70E740481C1C}">
-                <a14:useLocalDpi xmlns:a14="http://schemas.microsoft.com/office/drawing/2010/main" val="0"/>
-              </a:ext>
-            </a:extLst>
-          </a:blip>
-          <a:srcRect/>
-          <a:stretch>
-            <a:fillRect/>
-          </a:stretch>
-        </p:blipFill>
-        <p:spPr bwMode="auto">
-          <a:xfrm>
-            <a:off x="685801" y="1569098"/>
-            <a:ext cx="3733800" cy="2701348"/>
-          </a:xfrm>
-          <a:prstGeom prst="rect">
-            <a:avLst/>
-          </a:prstGeom>
-          <a:noFill/>
-          <a:extLst>
-            <a:ext uri="{909E8E84-426E-40DD-AFC4-6F175D3DCCD1}">
-              <a14:hiddenFill xmlns:a14="http://schemas.microsoft.com/office/drawing/2010/main">
-                <a:solidFill>
-                  <a:srgbClr val="FFFFFF"/>
-                </a:solidFill>
-              </a14:hiddenFill>
-            </a:ext>
-          </a:extLst>
-        </p:spPr>
-      </p:pic>
-      <p:pic>
-        <p:nvPicPr>
-          <p:cNvPr id="2052" name="Picture 4" descr="Image result for sos morse code">
-            <a:extLst>
-              <a:ext uri="{FF2B5EF4-FFF2-40B4-BE49-F238E27FC236}">
-                <a16:creationId xmlns:a16="http://schemas.microsoft.com/office/drawing/2014/main" id="{F152C880-B651-4D1A-BE0A-2A8E1FC3976E}"/>
-              </a:ext>
-            </a:extLst>
-          </p:cNvPr>
-          <p:cNvPicPr>
-            <a:picLocks noChangeAspect="1" noChangeArrowheads="1"/>
-          </p:cNvPicPr>
-          <p:nvPr/>
-        </p:nvPicPr>
-        <p:blipFill>
-          <a:blip r:embed="rId3">
-            <a:extLst>
-              <a:ext uri="{28A0092B-C50C-407E-A947-70E740481C1C}">
-                <a14:useLocalDpi xmlns:a14="http://schemas.microsoft.com/office/drawing/2010/main" val="0"/>
-              </a:ext>
-            </a:extLst>
-          </a:blip>
-          <a:srcRect/>
-          <a:stretch>
-            <a:fillRect/>
-          </a:stretch>
-        </p:blipFill>
-        <p:spPr bwMode="auto">
-          <a:xfrm>
-            <a:off x="4724400" y="3886200"/>
-            <a:ext cx="4251960" cy="2743200"/>
-          </a:xfrm>
-          <a:prstGeom prst="rect">
-            <a:avLst/>
-          </a:prstGeom>
-          <a:noFill/>
-          <a:extLst>
-            <a:ext uri="{909E8E84-426E-40DD-AFC4-6F175D3DCCD1}">
-              <a14:hiddenFill xmlns:a14="http://schemas.microsoft.com/office/drawing/2010/main">
-                <a:solidFill>
-                  <a:srgbClr val="FFFFFF"/>
-                </a:solidFill>
-              </a14:hiddenFill>
-            </a:ext>
-          </a:extLst>
-        </p:spPr>
-      </p:pic>
-      <p:pic>
-        <p:nvPicPr>
-          <p:cNvPr id="2054" name="Picture 6" descr="Image result for sos flashlight">
-            <a:extLst>
-              <a:ext uri="{FF2B5EF4-FFF2-40B4-BE49-F238E27FC236}">
-                <a16:creationId xmlns:a16="http://schemas.microsoft.com/office/drawing/2014/main" id="{E2DE4007-303B-4891-A164-6ED7FC83E6BF}"/>
-              </a:ext>
-            </a:extLst>
-          </p:cNvPr>
-          <p:cNvPicPr>
-            <a:picLocks noChangeAspect="1" noChangeArrowheads="1"/>
-          </p:cNvPicPr>
-          <p:nvPr/>
-        </p:nvPicPr>
-        <p:blipFill>
-          <a:blip r:embed="rId4">
-            <a:extLst>
-              <a:ext uri="{28A0092B-C50C-407E-A947-70E740481C1C}">
-                <a14:useLocalDpi xmlns:a14="http://schemas.microsoft.com/office/drawing/2010/main" val="0"/>
-              </a:ext>
-            </a:extLst>
-          </a:blip>
-          <a:srcRect/>
-          <a:stretch>
-            <a:fillRect/>
-          </a:stretch>
-        </p:blipFill>
-        <p:spPr bwMode="auto">
-          <a:xfrm rot="1064824">
-            <a:off x="5809158" y="1962283"/>
-            <a:ext cx="2082443" cy="1561832"/>
-          </a:xfrm>
-          <a:prstGeom prst="rect">
-            <a:avLst/>
-          </a:prstGeom>
-          <a:noFill/>
-          <a:extLst>
-            <a:ext uri="{909E8E84-426E-40DD-AFC4-6F175D3DCCD1}">
-              <a14:hiddenFill xmlns:a14="http://schemas.microsoft.com/office/drawing/2010/main">
-                <a:solidFill>
-                  <a:srgbClr val="FFFFFF"/>
-                </a:solidFill>
-              </a14:hiddenFill>
-            </a:ext>
-          </a:extLst>
-        </p:spPr>
-      </p:pic>
-      <p:pic>
-        <p:nvPicPr>
-          <p:cNvPr id="2056" name="Picture 8" descr="Related image">
-            <a:extLst>
-              <a:ext uri="{FF2B5EF4-FFF2-40B4-BE49-F238E27FC236}">
-                <a16:creationId xmlns:a16="http://schemas.microsoft.com/office/drawing/2014/main" id="{87465C86-4DF5-4BCD-AED3-F687A4593D17}"/>
-              </a:ext>
-            </a:extLst>
-          </p:cNvPr>
-          <p:cNvPicPr>
-            <a:picLocks noChangeAspect="1" noChangeArrowheads="1"/>
-          </p:cNvPicPr>
-          <p:nvPr/>
-        </p:nvPicPr>
-        <p:blipFill>
-          <a:blip r:embed="rId5">
-            <a:extLst>
-              <a:ext uri="{28A0092B-C50C-407E-A947-70E740481C1C}">
-                <a14:useLocalDpi xmlns:a14="http://schemas.microsoft.com/office/drawing/2010/main" val="0"/>
-              </a:ext>
-            </a:extLst>
-          </a:blip>
-          <a:srcRect/>
-          <a:stretch>
-            <a:fillRect/>
-          </a:stretch>
-        </p:blipFill>
-        <p:spPr bwMode="auto">
-          <a:xfrm rot="20327388">
-            <a:off x="1044224" y="4410952"/>
-            <a:ext cx="2597472" cy="2046493"/>
-          </a:xfrm>
-          <a:prstGeom prst="rect">
-            <a:avLst/>
-          </a:prstGeom>
-          <a:noFill/>
-          <a:extLst>
-            <a:ext uri="{909E8E84-426E-40DD-AFC4-6F175D3DCCD1}">
-              <a14:hiddenFill xmlns:a14="http://schemas.microsoft.com/office/drawing/2010/main">
-                <a:solidFill>
-                  <a:srgbClr val="FFFFFF"/>
-                </a:solidFill>
-              </a14:hiddenFill>
-            </a:ext>
-          </a:extLst>
-        </p:spPr>
-      </p:pic>
-    </p:spTree>
-    <p:extLst>
-      <p:ext uri="{BB962C8B-B14F-4D97-AF65-F5344CB8AC3E}">
-        <p14:creationId xmlns:p14="http://schemas.microsoft.com/office/powerpoint/2010/main" val="1340509058"/>
-      </p:ext>
-    </p:extLst>
-  </p:cSld>
-  <p:clrMapOvr>
-    <a:masterClrMapping/>
-  </p:clrMapOvr>
-</p:sld>
-</file>
-
-<file path=ppt/slides/slide4.xml><?xml version="1.0" encoding="utf-8"?>
-<p:sld xmlns:a="http://schemas.openxmlformats.org/drawingml/2006/main" xmlns:r="http://schemas.openxmlformats.org/officeDocument/2006/relationships" xmlns:p="http://schemas.openxmlformats.org/presentationml/2006/main">
-  <p:cSld>
-    <p:spTree>
-      <p:nvGrpSpPr>
-        <p:cNvPr id="1" name=""/>
-        <p:cNvGrpSpPr/>
-        <p:nvPr/>
-      </p:nvGrpSpPr>
-      <p:grpSpPr>
-        <a:xfrm>
-          <a:off x="0" y="0"/>
-          <a:ext cx="0" cy="0"/>
-          <a:chOff x="0" y="0"/>
-          <a:chExt cx="0" cy="0"/>
-        </a:xfrm>
-      </p:grpSpPr>
-      <p:sp>
-        <p:nvSpPr>
-          <p:cNvPr id="2" name="Title 1">
-            <a:extLst>
-              <a:ext uri="{FF2B5EF4-FFF2-40B4-BE49-F238E27FC236}">
-                <a16:creationId xmlns:a16="http://schemas.microsoft.com/office/drawing/2014/main" id="{42EBA112-58B9-43CA-9BF8-64B8890ECC43}"/>
-              </a:ext>
-            </a:extLst>
-          </p:cNvPr>
-          <p:cNvSpPr>
-            <a:spLocks noGrp="1"/>
-          </p:cNvSpPr>
-          <p:nvPr>
-            <p:ph type="title"/>
-          </p:nvPr>
-        </p:nvSpPr>
-        <p:spPr/>
-        <p:txBody>
-          <a:bodyPr/>
-          <a:lstStyle/>
-          <a:p>
-            <a:r>
-              <a:rPr lang="en-US" dirty="0"/>
-              <a:t>Morse Code</a:t>
-            </a:r>
-          </a:p>
-        </p:txBody>
-      </p:sp>
-      <p:sp>
-        <p:nvSpPr>
-          <p:cNvPr id="3" name="Content Placeholder 2">
-            <a:extLst>
-              <a:ext uri="{FF2B5EF4-FFF2-40B4-BE49-F238E27FC236}">
-                <a16:creationId xmlns:a16="http://schemas.microsoft.com/office/drawing/2014/main" id="{7D73CA4E-8C77-40FC-97C9-11EFFC7F1580}"/>
+                <a16:creationId xmlns:a16="http://schemas.microsoft.com/office/drawing/2014/main" xmlns="" id="{7D73CA4E-8C77-40FC-97C9-11EFFC7F1580}"/>
               </a:ext>
             </a:extLst>
           </p:cNvPr>
@@ -3724,7 +3266,7 @@
           <p:cNvPr id="3074" name="Picture 2" descr="Image result for sos morse code">
             <a:extLst>
               <a:ext uri="{FF2B5EF4-FFF2-40B4-BE49-F238E27FC236}">
-                <a16:creationId xmlns:a16="http://schemas.microsoft.com/office/drawing/2014/main" id="{000D8EB5-434F-45DA-8042-58F43E619BBD}"/>
+                <a16:creationId xmlns:a16="http://schemas.microsoft.com/office/drawing/2014/main" xmlns="" id="{000D8EB5-434F-45DA-8042-58F43E619BBD}"/>
               </a:ext>
             </a:extLst>
           </p:cNvPr>
@@ -3776,6 +3318,1735 @@
   <p:clrMapOvr>
     <a:masterClrMapping/>
   </p:clrMapOvr>
+  <p:timing>
+    <p:tnLst>
+      <p:par>
+        <p:cTn id="1" dur="indefinite" restart="never" nodeType="tmRoot"/>
+      </p:par>
+    </p:tnLst>
+  </p:timing>
+</p:sld>
+</file>
+
+<file path=ppt/slides/slide3.xml><?xml version="1.0" encoding="utf-8"?>
+<p:sld xmlns:a="http://schemas.openxmlformats.org/drawingml/2006/main" xmlns:r="http://schemas.openxmlformats.org/officeDocument/2006/relationships" xmlns:p="http://schemas.openxmlformats.org/presentationml/2006/main">
+  <p:cSld>
+    <p:spTree>
+      <p:nvGrpSpPr>
+        <p:cNvPr id="1" name=""/>
+        <p:cNvGrpSpPr/>
+        <p:nvPr/>
+      </p:nvGrpSpPr>
+      <p:grpSpPr>
+        <a:xfrm>
+          <a:off x="0" y="0"/>
+          <a:ext cx="0" cy="0"/>
+          <a:chOff x="0" y="0"/>
+          <a:chExt cx="0" cy="0"/>
+        </a:xfrm>
+      </p:grpSpPr>
+      <p:sp>
+        <p:nvSpPr>
+          <p:cNvPr id="2" name="Title 1"/>
+          <p:cNvSpPr>
+            <a:spLocks noGrp="1"/>
+          </p:cNvSpPr>
+          <p:nvPr>
+            <p:ph type="title"/>
+          </p:nvPr>
+        </p:nvSpPr>
+        <p:spPr/>
+        <p:txBody>
+          <a:bodyPr/>
+          <a:lstStyle/>
+          <a:p>
+            <a:r>
+              <a:rPr lang="en-CA" dirty="0" smtClean="0"/>
+              <a:t>Sample Code</a:t>
+            </a:r>
+            <a:endParaRPr lang="en-US" dirty="0"/>
+          </a:p>
+        </p:txBody>
+      </p:sp>
+      <p:sp>
+        <p:nvSpPr>
+          <p:cNvPr id="4" name="TextBox 3"/>
+          <p:cNvSpPr txBox="1"/>
+          <p:nvPr/>
+        </p:nvSpPr>
+        <p:spPr>
+          <a:xfrm>
+            <a:off x="2927158" y="1417638"/>
+            <a:ext cx="4544834" cy="830997"/>
+          </a:xfrm>
+          <a:prstGeom prst="rect">
+            <a:avLst/>
+          </a:prstGeom>
+          <a:noFill/>
+        </p:spPr>
+        <p:txBody>
+          <a:bodyPr wrap="none" rtlCol="0">
+            <a:spAutoFit/>
+          </a:bodyPr>
+          <a:lstStyle/>
+          <a:p>
+            <a:r>
+              <a:rPr lang="en-CA" sz="4800" b="1" dirty="0" smtClean="0">
+                <a:solidFill>
+                  <a:schemeClr val="accent1"/>
+                </a:solidFill>
+              </a:rPr>
+              <a:t>G       R       E       G</a:t>
+            </a:r>
+            <a:endParaRPr lang="en-US" sz="4800" b="1" dirty="0">
+              <a:solidFill>
+                <a:schemeClr val="accent1"/>
+              </a:solidFill>
+            </a:endParaRPr>
+          </a:p>
+        </p:txBody>
+      </p:sp>
+      <p:sp>
+        <p:nvSpPr>
+          <p:cNvPr id="6" name="Oval 5"/>
+          <p:cNvSpPr/>
+          <p:nvPr/>
+        </p:nvSpPr>
+        <p:spPr>
+          <a:xfrm>
+            <a:off x="5761232" y="2275976"/>
+            <a:ext cx="152400" cy="106362"/>
+          </a:xfrm>
+          <a:prstGeom prst="ellipse">
+            <a:avLst/>
+          </a:prstGeom>
+        </p:spPr>
+        <p:style>
+          <a:lnRef idx="2">
+            <a:schemeClr val="accent1">
+              <a:shade val="50000"/>
+            </a:schemeClr>
+          </a:lnRef>
+          <a:fillRef idx="1">
+            <a:schemeClr val="accent1"/>
+          </a:fillRef>
+          <a:effectRef idx="0">
+            <a:schemeClr val="accent1"/>
+          </a:effectRef>
+          <a:fontRef idx="minor">
+            <a:schemeClr val="lt1"/>
+          </a:fontRef>
+        </p:style>
+        <p:txBody>
+          <a:bodyPr rtlCol="0" anchor="ctr"/>
+          <a:lstStyle/>
+          <a:p>
+            <a:pPr algn="ctr"/>
+            <a:endParaRPr lang="en-US"/>
+          </a:p>
+        </p:txBody>
+      </p:sp>
+      <p:sp>
+        <p:nvSpPr>
+          <p:cNvPr id="7" name="Rectangle 6"/>
+          <p:cNvSpPr/>
+          <p:nvPr/>
+        </p:nvSpPr>
+        <p:spPr>
+          <a:xfrm>
+            <a:off x="2617876" y="2253117"/>
+            <a:ext cx="228600" cy="45719"/>
+          </a:xfrm>
+          <a:prstGeom prst="rect">
+            <a:avLst/>
+          </a:prstGeom>
+        </p:spPr>
+        <p:style>
+          <a:lnRef idx="2">
+            <a:schemeClr val="accent1">
+              <a:shade val="50000"/>
+            </a:schemeClr>
+          </a:lnRef>
+          <a:fillRef idx="1">
+            <a:schemeClr val="accent1"/>
+          </a:fillRef>
+          <a:effectRef idx="0">
+            <a:schemeClr val="accent1"/>
+          </a:effectRef>
+          <a:fontRef idx="minor">
+            <a:schemeClr val="lt1"/>
+          </a:fontRef>
+        </p:style>
+        <p:txBody>
+          <a:bodyPr rtlCol="0" anchor="ctr"/>
+          <a:lstStyle/>
+          <a:p>
+            <a:pPr algn="ctr"/>
+            <a:endParaRPr lang="en-US"/>
+          </a:p>
+        </p:txBody>
+      </p:sp>
+      <p:sp>
+        <p:nvSpPr>
+          <p:cNvPr id="8" name="Rectangle 7"/>
+          <p:cNvSpPr/>
+          <p:nvPr/>
+        </p:nvSpPr>
+        <p:spPr>
+          <a:xfrm>
+            <a:off x="3048000" y="2253117"/>
+            <a:ext cx="228600" cy="45719"/>
+          </a:xfrm>
+          <a:prstGeom prst="rect">
+            <a:avLst/>
+          </a:prstGeom>
+        </p:spPr>
+        <p:style>
+          <a:lnRef idx="2">
+            <a:schemeClr val="accent1">
+              <a:shade val="50000"/>
+            </a:schemeClr>
+          </a:lnRef>
+          <a:fillRef idx="1">
+            <a:schemeClr val="accent1"/>
+          </a:fillRef>
+          <a:effectRef idx="0">
+            <a:schemeClr val="accent1"/>
+          </a:effectRef>
+          <a:fontRef idx="minor">
+            <a:schemeClr val="lt1"/>
+          </a:fontRef>
+        </p:style>
+        <p:txBody>
+          <a:bodyPr rtlCol="0" anchor="ctr"/>
+          <a:lstStyle/>
+          <a:p>
+            <a:pPr algn="ctr"/>
+            <a:endParaRPr lang="en-US"/>
+          </a:p>
+        </p:txBody>
+      </p:sp>
+      <p:sp>
+        <p:nvSpPr>
+          <p:cNvPr id="9" name="Oval 8"/>
+          <p:cNvSpPr/>
+          <p:nvPr/>
+        </p:nvSpPr>
+        <p:spPr>
+          <a:xfrm>
+            <a:off x="3478124" y="2248635"/>
+            <a:ext cx="152400" cy="106362"/>
+          </a:xfrm>
+          <a:prstGeom prst="ellipse">
+            <a:avLst/>
+          </a:prstGeom>
+        </p:spPr>
+        <p:style>
+          <a:lnRef idx="2">
+            <a:schemeClr val="accent1">
+              <a:shade val="50000"/>
+            </a:schemeClr>
+          </a:lnRef>
+          <a:fillRef idx="1">
+            <a:schemeClr val="accent1"/>
+          </a:fillRef>
+          <a:effectRef idx="0">
+            <a:schemeClr val="accent1"/>
+          </a:effectRef>
+          <a:fontRef idx="minor">
+            <a:schemeClr val="lt1"/>
+          </a:fontRef>
+        </p:style>
+        <p:txBody>
+          <a:bodyPr rtlCol="0" anchor="ctr"/>
+          <a:lstStyle/>
+          <a:p>
+            <a:pPr algn="ctr"/>
+            <a:endParaRPr lang="en-US"/>
+          </a:p>
+        </p:txBody>
+      </p:sp>
+      <p:sp>
+        <p:nvSpPr>
+          <p:cNvPr id="10" name="Oval 9"/>
+          <p:cNvSpPr/>
+          <p:nvPr/>
+        </p:nvSpPr>
+        <p:spPr>
+          <a:xfrm>
+            <a:off x="4194937" y="2249082"/>
+            <a:ext cx="152400" cy="106362"/>
+          </a:xfrm>
+          <a:prstGeom prst="ellipse">
+            <a:avLst/>
+          </a:prstGeom>
+        </p:spPr>
+        <p:style>
+          <a:lnRef idx="2">
+            <a:schemeClr val="accent1">
+              <a:shade val="50000"/>
+            </a:schemeClr>
+          </a:lnRef>
+          <a:fillRef idx="1">
+            <a:schemeClr val="accent1"/>
+          </a:fillRef>
+          <a:effectRef idx="0">
+            <a:schemeClr val="accent1"/>
+          </a:effectRef>
+          <a:fontRef idx="minor">
+            <a:schemeClr val="lt1"/>
+          </a:fontRef>
+        </p:style>
+        <p:txBody>
+          <a:bodyPr rtlCol="0" anchor="ctr"/>
+          <a:lstStyle/>
+          <a:p>
+            <a:pPr algn="ctr"/>
+            <a:endParaRPr lang="en-US"/>
+          </a:p>
+        </p:txBody>
+      </p:sp>
+      <p:sp>
+        <p:nvSpPr>
+          <p:cNvPr id="11" name="Rectangle 10"/>
+          <p:cNvSpPr/>
+          <p:nvPr/>
+        </p:nvSpPr>
+        <p:spPr>
+          <a:xfrm>
+            <a:off x="4496027" y="2298836"/>
+            <a:ext cx="228600" cy="45719"/>
+          </a:xfrm>
+          <a:prstGeom prst="rect">
+            <a:avLst/>
+          </a:prstGeom>
+        </p:spPr>
+        <p:style>
+          <a:lnRef idx="2">
+            <a:schemeClr val="accent1">
+              <a:shade val="50000"/>
+            </a:schemeClr>
+          </a:lnRef>
+          <a:fillRef idx="1">
+            <a:schemeClr val="accent1"/>
+          </a:fillRef>
+          <a:effectRef idx="0">
+            <a:schemeClr val="accent1"/>
+          </a:effectRef>
+          <a:fontRef idx="minor">
+            <a:schemeClr val="lt1"/>
+          </a:fontRef>
+        </p:style>
+        <p:txBody>
+          <a:bodyPr rtlCol="0" anchor="ctr"/>
+          <a:lstStyle/>
+          <a:p>
+            <a:pPr algn="ctr"/>
+            <a:endParaRPr lang="en-US"/>
+          </a:p>
+        </p:txBody>
+      </p:sp>
+      <p:sp>
+        <p:nvSpPr>
+          <p:cNvPr id="12" name="Oval 11"/>
+          <p:cNvSpPr/>
+          <p:nvPr/>
+        </p:nvSpPr>
+        <p:spPr>
+          <a:xfrm>
+            <a:off x="4873317" y="2268514"/>
+            <a:ext cx="152400" cy="106362"/>
+          </a:xfrm>
+          <a:prstGeom prst="ellipse">
+            <a:avLst/>
+          </a:prstGeom>
+        </p:spPr>
+        <p:style>
+          <a:lnRef idx="2">
+            <a:schemeClr val="accent1">
+              <a:shade val="50000"/>
+            </a:schemeClr>
+          </a:lnRef>
+          <a:fillRef idx="1">
+            <a:schemeClr val="accent1"/>
+          </a:fillRef>
+          <a:effectRef idx="0">
+            <a:schemeClr val="accent1"/>
+          </a:effectRef>
+          <a:fontRef idx="minor">
+            <a:schemeClr val="lt1"/>
+          </a:fontRef>
+        </p:style>
+        <p:txBody>
+          <a:bodyPr rtlCol="0" anchor="ctr"/>
+          <a:lstStyle/>
+          <a:p>
+            <a:pPr algn="ctr"/>
+            <a:endParaRPr lang="en-US"/>
+          </a:p>
+        </p:txBody>
+      </p:sp>
+      <p:sp>
+        <p:nvSpPr>
+          <p:cNvPr id="13" name="Rectangle 12"/>
+          <p:cNvSpPr/>
+          <p:nvPr/>
+        </p:nvSpPr>
+        <p:spPr>
+          <a:xfrm>
+            <a:off x="6604323" y="2284010"/>
+            <a:ext cx="228600" cy="45719"/>
+          </a:xfrm>
+          <a:prstGeom prst="rect">
+            <a:avLst/>
+          </a:prstGeom>
+        </p:spPr>
+        <p:style>
+          <a:lnRef idx="2">
+            <a:schemeClr val="accent1">
+              <a:shade val="50000"/>
+            </a:schemeClr>
+          </a:lnRef>
+          <a:fillRef idx="1">
+            <a:schemeClr val="accent1"/>
+          </a:fillRef>
+          <a:effectRef idx="0">
+            <a:schemeClr val="accent1"/>
+          </a:effectRef>
+          <a:fontRef idx="minor">
+            <a:schemeClr val="lt1"/>
+          </a:fontRef>
+        </p:style>
+        <p:txBody>
+          <a:bodyPr rtlCol="0" anchor="ctr"/>
+          <a:lstStyle/>
+          <a:p>
+            <a:pPr algn="ctr"/>
+            <a:endParaRPr lang="en-US"/>
+          </a:p>
+        </p:txBody>
+      </p:sp>
+      <p:sp>
+        <p:nvSpPr>
+          <p:cNvPr id="14" name="Rectangle 13"/>
+          <p:cNvSpPr/>
+          <p:nvPr/>
+        </p:nvSpPr>
+        <p:spPr>
+          <a:xfrm>
+            <a:off x="7034447" y="2284010"/>
+            <a:ext cx="228600" cy="45719"/>
+          </a:xfrm>
+          <a:prstGeom prst="rect">
+            <a:avLst/>
+          </a:prstGeom>
+        </p:spPr>
+        <p:style>
+          <a:lnRef idx="2">
+            <a:schemeClr val="accent1">
+              <a:shade val="50000"/>
+            </a:schemeClr>
+          </a:lnRef>
+          <a:fillRef idx="1">
+            <a:schemeClr val="accent1"/>
+          </a:fillRef>
+          <a:effectRef idx="0">
+            <a:schemeClr val="accent1"/>
+          </a:effectRef>
+          <a:fontRef idx="minor">
+            <a:schemeClr val="lt1"/>
+          </a:fontRef>
+        </p:style>
+        <p:txBody>
+          <a:bodyPr rtlCol="0" anchor="ctr"/>
+          <a:lstStyle/>
+          <a:p>
+            <a:pPr algn="ctr"/>
+            <a:endParaRPr lang="en-US"/>
+          </a:p>
+        </p:txBody>
+      </p:sp>
+      <p:sp>
+        <p:nvSpPr>
+          <p:cNvPr id="15" name="Oval 14"/>
+          <p:cNvSpPr/>
+          <p:nvPr/>
+        </p:nvSpPr>
+        <p:spPr>
+          <a:xfrm>
+            <a:off x="7464571" y="2279528"/>
+            <a:ext cx="152400" cy="106362"/>
+          </a:xfrm>
+          <a:prstGeom prst="ellipse">
+            <a:avLst/>
+          </a:prstGeom>
+        </p:spPr>
+        <p:style>
+          <a:lnRef idx="2">
+            <a:schemeClr val="accent1">
+              <a:shade val="50000"/>
+            </a:schemeClr>
+          </a:lnRef>
+          <a:fillRef idx="1">
+            <a:schemeClr val="accent1"/>
+          </a:fillRef>
+          <a:effectRef idx="0">
+            <a:schemeClr val="accent1"/>
+          </a:effectRef>
+          <a:fontRef idx="minor">
+            <a:schemeClr val="lt1"/>
+          </a:fontRef>
+        </p:style>
+        <p:txBody>
+          <a:bodyPr rtlCol="0" anchor="ctr"/>
+          <a:lstStyle/>
+          <a:p>
+            <a:pPr algn="ctr"/>
+            <a:endParaRPr lang="en-US"/>
+          </a:p>
+        </p:txBody>
+      </p:sp>
+    </p:spTree>
+    <p:extLst>
+      <p:ext uri="{BB962C8B-B14F-4D97-AF65-F5344CB8AC3E}">
+        <p14:creationId xmlns:p14="http://schemas.microsoft.com/office/powerpoint/2010/main" val="4081406271"/>
+      </p:ext>
+    </p:extLst>
+  </p:cSld>
+  <p:clrMapOvr>
+    <a:masterClrMapping/>
+  </p:clrMapOvr>
+  <p:timing>
+    <p:tnLst>
+      <p:par>
+        <p:cTn id="1" dur="indefinite" restart="never" nodeType="tmRoot"/>
+      </p:par>
+    </p:tnLst>
+  </p:timing>
+</p:sld>
+</file>
+
+<file path=ppt/slides/slide4.xml><?xml version="1.0" encoding="utf-8"?>
+<p:sld xmlns:a="http://schemas.openxmlformats.org/drawingml/2006/main" xmlns:r="http://schemas.openxmlformats.org/officeDocument/2006/relationships" xmlns:p="http://schemas.openxmlformats.org/presentationml/2006/main">
+  <p:cSld>
+    <p:spTree>
+      <p:nvGrpSpPr>
+        <p:cNvPr id="1" name=""/>
+        <p:cNvGrpSpPr/>
+        <p:nvPr/>
+      </p:nvGrpSpPr>
+      <p:grpSpPr>
+        <a:xfrm>
+          <a:off x="0" y="0"/>
+          <a:ext cx="0" cy="0"/>
+          <a:chOff x="0" y="0"/>
+          <a:chExt cx="0" cy="0"/>
+        </a:xfrm>
+      </p:grpSpPr>
+      <p:sp>
+        <p:nvSpPr>
+          <p:cNvPr id="2" name="Title 1"/>
+          <p:cNvSpPr>
+            <a:spLocks noGrp="1"/>
+          </p:cNvSpPr>
+          <p:nvPr>
+            <p:ph type="title"/>
+          </p:nvPr>
+        </p:nvSpPr>
+        <p:spPr/>
+        <p:txBody>
+          <a:bodyPr/>
+          <a:lstStyle/>
+          <a:p>
+            <a:r>
+              <a:rPr lang="en-CA" dirty="0" smtClean="0"/>
+              <a:t>Sample Code</a:t>
+            </a:r>
+            <a:endParaRPr lang="en-US" dirty="0"/>
+          </a:p>
+        </p:txBody>
+      </p:sp>
+      <p:sp>
+        <p:nvSpPr>
+          <p:cNvPr id="3" name="Content Placeholder 2"/>
+          <p:cNvSpPr>
+            <a:spLocks noGrp="1"/>
+          </p:cNvSpPr>
+          <p:nvPr>
+            <p:ph idx="1"/>
+          </p:nvPr>
+        </p:nvSpPr>
+        <p:spPr>
+          <a:xfrm>
+            <a:off x="457200" y="2667000"/>
+            <a:ext cx="2389276" cy="3962400"/>
+          </a:xfrm>
+        </p:spPr>
+        <p:txBody>
+          <a:bodyPr>
+            <a:normAutofit fontScale="92500" lnSpcReduction="20000"/>
+          </a:bodyPr>
+          <a:lstStyle/>
+          <a:p>
+            <a:pPr marL="0" indent="0">
+              <a:buNone/>
+            </a:pPr>
+            <a:r>
+              <a:rPr lang="en-CA" sz="1800" dirty="0" smtClean="0">
+                <a:latin typeface="Arial Narrow" panose="020B0606020202030204" pitchFamily="34" charset="0"/>
+              </a:rPr>
+              <a:t>void loop () {</a:t>
+            </a:r>
+          </a:p>
+          <a:p>
+            <a:pPr marL="0" indent="0">
+              <a:buNone/>
+            </a:pPr>
+            <a:r>
+              <a:rPr lang="en-CA" sz="1800" dirty="0" smtClean="0">
+                <a:latin typeface="Arial Narrow" panose="020B0606020202030204" pitchFamily="34" charset="0"/>
+              </a:rPr>
+              <a:t>    </a:t>
+            </a:r>
+            <a:r>
+              <a:rPr lang="en-CA" sz="1800" dirty="0" smtClean="0">
+                <a:solidFill>
+                  <a:srgbClr val="7030A0"/>
+                </a:solidFill>
+                <a:latin typeface="Arial Narrow" panose="020B0606020202030204" pitchFamily="34" charset="0"/>
+              </a:rPr>
+              <a:t>dash();</a:t>
+            </a:r>
+          </a:p>
+          <a:p>
+            <a:pPr marL="0" indent="0">
+              <a:buNone/>
+            </a:pPr>
+            <a:r>
+              <a:rPr lang="en-CA" sz="1800" dirty="0">
+                <a:latin typeface="Arial Narrow" panose="020B0606020202030204" pitchFamily="34" charset="0"/>
+              </a:rPr>
+              <a:t> </a:t>
+            </a:r>
+            <a:r>
+              <a:rPr lang="en-CA" sz="1800" dirty="0" smtClean="0">
+                <a:latin typeface="Arial Narrow" panose="020B0606020202030204" pitchFamily="34" charset="0"/>
+              </a:rPr>
+              <a:t>   </a:t>
+            </a:r>
+            <a:r>
+              <a:rPr lang="en-CA" sz="1800" dirty="0" smtClean="0">
+                <a:solidFill>
+                  <a:srgbClr val="7030A0"/>
+                </a:solidFill>
+                <a:latin typeface="Arial Narrow" panose="020B0606020202030204" pitchFamily="34" charset="0"/>
+              </a:rPr>
+              <a:t>dash();</a:t>
+            </a:r>
+          </a:p>
+          <a:p>
+            <a:pPr marL="0" indent="0">
+              <a:buNone/>
+            </a:pPr>
+            <a:r>
+              <a:rPr lang="en-CA" sz="1800" dirty="0">
+                <a:latin typeface="Arial Narrow" panose="020B0606020202030204" pitchFamily="34" charset="0"/>
+              </a:rPr>
+              <a:t> </a:t>
+            </a:r>
+            <a:r>
+              <a:rPr lang="en-CA" sz="1800" dirty="0" smtClean="0">
+                <a:latin typeface="Arial Narrow" panose="020B0606020202030204" pitchFamily="34" charset="0"/>
+              </a:rPr>
+              <a:t>   </a:t>
+            </a:r>
+            <a:r>
+              <a:rPr lang="en-CA" sz="1800" dirty="0" smtClean="0">
+                <a:solidFill>
+                  <a:srgbClr val="7030A0"/>
+                </a:solidFill>
+                <a:latin typeface="Arial Narrow" panose="020B0606020202030204" pitchFamily="34" charset="0"/>
+              </a:rPr>
+              <a:t>dot</a:t>
+            </a:r>
+            <a:r>
+              <a:rPr lang="en-CA" sz="1800" dirty="0" smtClean="0">
+                <a:solidFill>
+                  <a:srgbClr val="7030A0"/>
+                </a:solidFill>
+                <a:latin typeface="Arial Narrow" panose="020B0606020202030204" pitchFamily="34" charset="0"/>
+              </a:rPr>
+              <a:t>();</a:t>
+            </a:r>
+          </a:p>
+          <a:p>
+            <a:pPr marL="0" indent="0">
+              <a:buNone/>
+            </a:pPr>
+            <a:r>
+              <a:rPr lang="en-CA" sz="1800" dirty="0" smtClean="0">
+                <a:latin typeface="Arial Narrow" panose="020B0606020202030204" pitchFamily="34" charset="0"/>
+              </a:rPr>
+              <a:t>    blank();</a:t>
+            </a:r>
+            <a:endParaRPr lang="en-CA" sz="1800" dirty="0">
+              <a:latin typeface="Arial Narrow" panose="020B0606020202030204" pitchFamily="34" charset="0"/>
+            </a:endParaRPr>
+          </a:p>
+          <a:p>
+            <a:pPr marL="0" indent="0">
+              <a:buNone/>
+            </a:pPr>
+            <a:r>
+              <a:rPr lang="en-CA" sz="1800" dirty="0">
+                <a:latin typeface="Arial Narrow" panose="020B0606020202030204" pitchFamily="34" charset="0"/>
+              </a:rPr>
+              <a:t>    </a:t>
+            </a:r>
+            <a:r>
+              <a:rPr lang="en-CA" sz="1800" dirty="0">
+                <a:solidFill>
+                  <a:srgbClr val="0070C0"/>
+                </a:solidFill>
+                <a:latin typeface="Arial Narrow" panose="020B0606020202030204" pitchFamily="34" charset="0"/>
+              </a:rPr>
+              <a:t>dot();</a:t>
+            </a:r>
+          </a:p>
+          <a:p>
+            <a:pPr marL="0" indent="0">
+              <a:buNone/>
+            </a:pPr>
+            <a:r>
+              <a:rPr lang="en-CA" sz="1800" dirty="0" smtClean="0">
+                <a:solidFill>
+                  <a:srgbClr val="0070C0"/>
+                </a:solidFill>
+                <a:latin typeface="Arial Narrow" panose="020B0606020202030204" pitchFamily="34" charset="0"/>
+              </a:rPr>
+              <a:t>    dash();</a:t>
+            </a:r>
+            <a:endParaRPr lang="en-CA" sz="1800" dirty="0">
+              <a:solidFill>
+                <a:srgbClr val="0070C0"/>
+              </a:solidFill>
+              <a:latin typeface="Arial Narrow" panose="020B0606020202030204" pitchFamily="34" charset="0"/>
+            </a:endParaRPr>
+          </a:p>
+          <a:p>
+            <a:pPr marL="0" indent="0">
+              <a:buNone/>
+            </a:pPr>
+            <a:r>
+              <a:rPr lang="en-CA" sz="1800" dirty="0" smtClean="0">
+                <a:solidFill>
+                  <a:srgbClr val="0070C0"/>
+                </a:solidFill>
+                <a:latin typeface="Arial Narrow" panose="020B0606020202030204" pitchFamily="34" charset="0"/>
+              </a:rPr>
+              <a:t>    </a:t>
+            </a:r>
+            <a:r>
+              <a:rPr lang="en-CA" sz="1800" dirty="0">
+                <a:solidFill>
+                  <a:srgbClr val="0070C0"/>
+                </a:solidFill>
+                <a:latin typeface="Arial Narrow" panose="020B0606020202030204" pitchFamily="34" charset="0"/>
+              </a:rPr>
+              <a:t>dot</a:t>
+            </a:r>
+            <a:r>
+              <a:rPr lang="en-CA" sz="1800" dirty="0" smtClean="0">
+                <a:solidFill>
+                  <a:srgbClr val="0070C0"/>
+                </a:solidFill>
+                <a:latin typeface="Arial Narrow" panose="020B0606020202030204" pitchFamily="34" charset="0"/>
+              </a:rPr>
+              <a:t>();</a:t>
+            </a:r>
+          </a:p>
+          <a:p>
+            <a:pPr marL="0" indent="0">
+              <a:buNone/>
+            </a:pPr>
+            <a:r>
+              <a:rPr lang="en-CA" sz="1800" dirty="0">
+                <a:latin typeface="Arial Narrow" panose="020B0606020202030204" pitchFamily="34" charset="0"/>
+              </a:rPr>
+              <a:t> </a:t>
+            </a:r>
+            <a:r>
+              <a:rPr lang="en-CA" sz="1800" dirty="0" smtClean="0">
+                <a:latin typeface="Arial Narrow" panose="020B0606020202030204" pitchFamily="34" charset="0"/>
+              </a:rPr>
+              <a:t>   blank();</a:t>
+            </a:r>
+            <a:endParaRPr lang="en-CA" sz="1800" dirty="0" smtClean="0">
+              <a:latin typeface="Arial Narrow" panose="020B0606020202030204" pitchFamily="34" charset="0"/>
+            </a:endParaRPr>
+          </a:p>
+          <a:p>
+            <a:pPr marL="0" indent="0">
+              <a:buNone/>
+            </a:pPr>
+            <a:r>
+              <a:rPr lang="en-CA" sz="1800" dirty="0" smtClean="0">
+                <a:solidFill>
+                  <a:srgbClr val="7030A0"/>
+                </a:solidFill>
+                <a:latin typeface="Arial Narrow" panose="020B0606020202030204" pitchFamily="34" charset="0"/>
+              </a:rPr>
+              <a:t>    dot</a:t>
+            </a:r>
+            <a:r>
+              <a:rPr lang="en-CA" sz="1800" dirty="0" smtClean="0">
+                <a:solidFill>
+                  <a:srgbClr val="7030A0"/>
+                </a:solidFill>
+                <a:latin typeface="Arial Narrow" panose="020B0606020202030204" pitchFamily="34" charset="0"/>
+              </a:rPr>
+              <a:t>();</a:t>
+            </a:r>
+            <a:endParaRPr lang="en-CA" sz="1800" dirty="0" smtClean="0">
+              <a:latin typeface="Arial Narrow" panose="020B0606020202030204" pitchFamily="34" charset="0"/>
+            </a:endParaRPr>
+          </a:p>
+          <a:p>
+            <a:pPr marL="0" indent="0">
+              <a:buNone/>
+            </a:pPr>
+            <a:r>
+              <a:rPr lang="en-CA" sz="1800" dirty="0">
+                <a:latin typeface="Arial Narrow" panose="020B0606020202030204" pitchFamily="34" charset="0"/>
+              </a:rPr>
+              <a:t> </a:t>
+            </a:r>
+            <a:r>
+              <a:rPr lang="en-CA" sz="1800" dirty="0" smtClean="0">
+                <a:latin typeface="Arial Narrow" panose="020B0606020202030204" pitchFamily="34" charset="0"/>
+              </a:rPr>
+              <a:t>   blank();</a:t>
+            </a:r>
+            <a:endParaRPr lang="en-CA" sz="1800" dirty="0">
+              <a:latin typeface="Arial Narrow" panose="020B0606020202030204" pitchFamily="34" charset="0"/>
+            </a:endParaRPr>
+          </a:p>
+          <a:p>
+            <a:pPr marL="0" indent="0">
+              <a:buNone/>
+            </a:pPr>
+            <a:r>
+              <a:rPr lang="en-CA" sz="1800" dirty="0" smtClean="0">
+                <a:solidFill>
+                  <a:srgbClr val="0070C0"/>
+                </a:solidFill>
+                <a:latin typeface="Arial Narrow" panose="020B0606020202030204" pitchFamily="34" charset="0"/>
+              </a:rPr>
+              <a:t>    dash</a:t>
+            </a:r>
+            <a:r>
+              <a:rPr lang="en-CA" sz="1800" dirty="0">
+                <a:solidFill>
+                  <a:srgbClr val="0070C0"/>
+                </a:solidFill>
+                <a:latin typeface="Arial Narrow" panose="020B0606020202030204" pitchFamily="34" charset="0"/>
+              </a:rPr>
+              <a:t>();</a:t>
+            </a:r>
+          </a:p>
+          <a:p>
+            <a:pPr marL="0" indent="0">
+              <a:buNone/>
+            </a:pPr>
+            <a:r>
+              <a:rPr lang="en-CA" sz="1800" dirty="0">
+                <a:solidFill>
+                  <a:srgbClr val="0070C0"/>
+                </a:solidFill>
+                <a:latin typeface="Arial Narrow" panose="020B0606020202030204" pitchFamily="34" charset="0"/>
+              </a:rPr>
+              <a:t>    dash();</a:t>
+            </a:r>
+          </a:p>
+          <a:p>
+            <a:pPr marL="0" indent="0">
+              <a:buNone/>
+            </a:pPr>
+            <a:r>
+              <a:rPr lang="en-CA" sz="1800" dirty="0">
+                <a:solidFill>
+                  <a:srgbClr val="0070C0"/>
+                </a:solidFill>
+                <a:latin typeface="Arial Narrow" panose="020B0606020202030204" pitchFamily="34" charset="0"/>
+              </a:rPr>
+              <a:t>    dot</a:t>
+            </a:r>
+            <a:r>
+              <a:rPr lang="en-CA" sz="1800" dirty="0" smtClean="0">
+                <a:solidFill>
+                  <a:srgbClr val="0070C0"/>
+                </a:solidFill>
+                <a:latin typeface="Arial Narrow" panose="020B0606020202030204" pitchFamily="34" charset="0"/>
+              </a:rPr>
+              <a:t>();</a:t>
+            </a:r>
+            <a:endParaRPr lang="en-CA" sz="1800" dirty="0" smtClean="0">
+              <a:latin typeface="Arial Narrow" panose="020B0606020202030204" pitchFamily="34" charset="0"/>
+            </a:endParaRPr>
+          </a:p>
+          <a:p>
+            <a:pPr marL="0" indent="0">
+              <a:buNone/>
+            </a:pPr>
+            <a:r>
+              <a:rPr lang="en-CA" sz="1800" dirty="0">
+                <a:latin typeface="Arial Narrow" panose="020B0606020202030204" pitchFamily="34" charset="0"/>
+              </a:rPr>
+              <a:t>}</a:t>
+            </a:r>
+            <a:endParaRPr lang="en-US" sz="1800" dirty="0">
+              <a:latin typeface="Arial Narrow" panose="020B0606020202030204" pitchFamily="34" charset="0"/>
+            </a:endParaRPr>
+          </a:p>
+        </p:txBody>
+      </p:sp>
+      <p:sp>
+        <p:nvSpPr>
+          <p:cNvPr id="4" name="TextBox 3"/>
+          <p:cNvSpPr txBox="1"/>
+          <p:nvPr/>
+        </p:nvSpPr>
+        <p:spPr>
+          <a:xfrm>
+            <a:off x="2927158" y="1417638"/>
+            <a:ext cx="4544834" cy="830997"/>
+          </a:xfrm>
+          <a:prstGeom prst="rect">
+            <a:avLst/>
+          </a:prstGeom>
+          <a:noFill/>
+        </p:spPr>
+        <p:txBody>
+          <a:bodyPr wrap="none" rtlCol="0">
+            <a:spAutoFit/>
+          </a:bodyPr>
+          <a:lstStyle/>
+          <a:p>
+            <a:r>
+              <a:rPr lang="en-CA" sz="4800" b="1" dirty="0" smtClean="0">
+                <a:solidFill>
+                  <a:srgbClr val="7030A0"/>
+                </a:solidFill>
+              </a:rPr>
+              <a:t>G</a:t>
+            </a:r>
+            <a:r>
+              <a:rPr lang="en-CA" sz="4800" b="1" dirty="0" smtClean="0">
+                <a:solidFill>
+                  <a:schemeClr val="accent1"/>
+                </a:solidFill>
+              </a:rPr>
+              <a:t>       R       E       G</a:t>
+            </a:r>
+            <a:endParaRPr lang="en-US" sz="4800" b="1" dirty="0">
+              <a:solidFill>
+                <a:schemeClr val="accent1"/>
+              </a:solidFill>
+            </a:endParaRPr>
+          </a:p>
+        </p:txBody>
+      </p:sp>
+      <p:sp>
+        <p:nvSpPr>
+          <p:cNvPr id="6" name="Oval 5"/>
+          <p:cNvSpPr/>
+          <p:nvPr/>
+        </p:nvSpPr>
+        <p:spPr>
+          <a:xfrm>
+            <a:off x="5761232" y="2275976"/>
+            <a:ext cx="152400" cy="106362"/>
+          </a:xfrm>
+          <a:prstGeom prst="ellipse">
+            <a:avLst/>
+          </a:prstGeom>
+          <a:solidFill>
+            <a:srgbClr val="7030A0"/>
+          </a:solidFill>
+        </p:spPr>
+        <p:style>
+          <a:lnRef idx="2">
+            <a:schemeClr val="accent1">
+              <a:shade val="50000"/>
+            </a:schemeClr>
+          </a:lnRef>
+          <a:fillRef idx="1">
+            <a:schemeClr val="accent1"/>
+          </a:fillRef>
+          <a:effectRef idx="0">
+            <a:schemeClr val="accent1"/>
+          </a:effectRef>
+          <a:fontRef idx="minor">
+            <a:schemeClr val="lt1"/>
+          </a:fontRef>
+        </p:style>
+        <p:txBody>
+          <a:bodyPr rtlCol="0" anchor="ctr"/>
+          <a:lstStyle/>
+          <a:p>
+            <a:pPr algn="ctr"/>
+            <a:endParaRPr lang="en-US"/>
+          </a:p>
+        </p:txBody>
+      </p:sp>
+      <p:sp>
+        <p:nvSpPr>
+          <p:cNvPr id="7" name="Rectangle 6"/>
+          <p:cNvSpPr/>
+          <p:nvPr/>
+        </p:nvSpPr>
+        <p:spPr>
+          <a:xfrm>
+            <a:off x="2617876" y="2253117"/>
+            <a:ext cx="228600" cy="45719"/>
+          </a:xfrm>
+          <a:prstGeom prst="rect">
+            <a:avLst/>
+          </a:prstGeom>
+          <a:solidFill>
+            <a:srgbClr val="7030A0"/>
+          </a:solidFill>
+          <a:ln>
+            <a:solidFill>
+              <a:srgbClr val="7030A0"/>
+            </a:solidFill>
+          </a:ln>
+        </p:spPr>
+        <p:style>
+          <a:lnRef idx="2">
+            <a:schemeClr val="accent1">
+              <a:shade val="50000"/>
+            </a:schemeClr>
+          </a:lnRef>
+          <a:fillRef idx="1">
+            <a:schemeClr val="accent1"/>
+          </a:fillRef>
+          <a:effectRef idx="0">
+            <a:schemeClr val="accent1"/>
+          </a:effectRef>
+          <a:fontRef idx="minor">
+            <a:schemeClr val="lt1"/>
+          </a:fontRef>
+        </p:style>
+        <p:txBody>
+          <a:bodyPr rtlCol="0" anchor="ctr"/>
+          <a:lstStyle/>
+          <a:p>
+            <a:pPr algn="ctr"/>
+            <a:endParaRPr lang="en-US"/>
+          </a:p>
+        </p:txBody>
+      </p:sp>
+      <p:sp>
+        <p:nvSpPr>
+          <p:cNvPr id="8" name="Rectangle 7"/>
+          <p:cNvSpPr/>
+          <p:nvPr/>
+        </p:nvSpPr>
+        <p:spPr>
+          <a:xfrm>
+            <a:off x="3048000" y="2253117"/>
+            <a:ext cx="228600" cy="45719"/>
+          </a:xfrm>
+          <a:prstGeom prst="rect">
+            <a:avLst/>
+          </a:prstGeom>
+          <a:solidFill>
+            <a:srgbClr val="7030A0"/>
+          </a:solidFill>
+          <a:ln>
+            <a:solidFill>
+              <a:srgbClr val="7030A0"/>
+            </a:solidFill>
+          </a:ln>
+        </p:spPr>
+        <p:style>
+          <a:lnRef idx="2">
+            <a:schemeClr val="accent1">
+              <a:shade val="50000"/>
+            </a:schemeClr>
+          </a:lnRef>
+          <a:fillRef idx="1">
+            <a:schemeClr val="accent1"/>
+          </a:fillRef>
+          <a:effectRef idx="0">
+            <a:schemeClr val="accent1"/>
+          </a:effectRef>
+          <a:fontRef idx="minor">
+            <a:schemeClr val="lt1"/>
+          </a:fontRef>
+        </p:style>
+        <p:txBody>
+          <a:bodyPr rtlCol="0" anchor="ctr"/>
+          <a:lstStyle/>
+          <a:p>
+            <a:pPr algn="ctr"/>
+            <a:endParaRPr lang="en-US"/>
+          </a:p>
+        </p:txBody>
+      </p:sp>
+      <p:sp>
+        <p:nvSpPr>
+          <p:cNvPr id="9" name="Oval 8"/>
+          <p:cNvSpPr/>
+          <p:nvPr/>
+        </p:nvSpPr>
+        <p:spPr>
+          <a:xfrm>
+            <a:off x="3478124" y="2248635"/>
+            <a:ext cx="152400" cy="106362"/>
+          </a:xfrm>
+          <a:prstGeom prst="ellipse">
+            <a:avLst/>
+          </a:prstGeom>
+          <a:solidFill>
+            <a:srgbClr val="7030A0"/>
+          </a:solidFill>
+          <a:ln>
+            <a:solidFill>
+              <a:srgbClr val="7030A0"/>
+            </a:solidFill>
+          </a:ln>
+        </p:spPr>
+        <p:style>
+          <a:lnRef idx="2">
+            <a:schemeClr val="accent1">
+              <a:shade val="50000"/>
+            </a:schemeClr>
+          </a:lnRef>
+          <a:fillRef idx="1">
+            <a:schemeClr val="accent1"/>
+          </a:fillRef>
+          <a:effectRef idx="0">
+            <a:schemeClr val="accent1"/>
+          </a:effectRef>
+          <a:fontRef idx="minor">
+            <a:schemeClr val="lt1"/>
+          </a:fontRef>
+        </p:style>
+        <p:txBody>
+          <a:bodyPr rtlCol="0" anchor="ctr"/>
+          <a:lstStyle/>
+          <a:p>
+            <a:pPr algn="ctr"/>
+            <a:endParaRPr lang="en-US"/>
+          </a:p>
+        </p:txBody>
+      </p:sp>
+      <p:sp>
+        <p:nvSpPr>
+          <p:cNvPr id="10" name="Oval 9"/>
+          <p:cNvSpPr/>
+          <p:nvPr/>
+        </p:nvSpPr>
+        <p:spPr>
+          <a:xfrm>
+            <a:off x="4194937" y="2249082"/>
+            <a:ext cx="152400" cy="106362"/>
+          </a:xfrm>
+          <a:prstGeom prst="ellipse">
+            <a:avLst/>
+          </a:prstGeom>
+        </p:spPr>
+        <p:style>
+          <a:lnRef idx="2">
+            <a:schemeClr val="accent1">
+              <a:shade val="50000"/>
+            </a:schemeClr>
+          </a:lnRef>
+          <a:fillRef idx="1">
+            <a:schemeClr val="accent1"/>
+          </a:fillRef>
+          <a:effectRef idx="0">
+            <a:schemeClr val="accent1"/>
+          </a:effectRef>
+          <a:fontRef idx="minor">
+            <a:schemeClr val="lt1"/>
+          </a:fontRef>
+        </p:style>
+        <p:txBody>
+          <a:bodyPr rtlCol="0" anchor="ctr"/>
+          <a:lstStyle/>
+          <a:p>
+            <a:pPr algn="ctr"/>
+            <a:endParaRPr lang="en-US"/>
+          </a:p>
+        </p:txBody>
+      </p:sp>
+      <p:sp>
+        <p:nvSpPr>
+          <p:cNvPr id="11" name="Rectangle 10"/>
+          <p:cNvSpPr/>
+          <p:nvPr/>
+        </p:nvSpPr>
+        <p:spPr>
+          <a:xfrm>
+            <a:off x="4496027" y="2298836"/>
+            <a:ext cx="228600" cy="45719"/>
+          </a:xfrm>
+          <a:prstGeom prst="rect">
+            <a:avLst/>
+          </a:prstGeom>
+        </p:spPr>
+        <p:style>
+          <a:lnRef idx="2">
+            <a:schemeClr val="accent1">
+              <a:shade val="50000"/>
+            </a:schemeClr>
+          </a:lnRef>
+          <a:fillRef idx="1">
+            <a:schemeClr val="accent1"/>
+          </a:fillRef>
+          <a:effectRef idx="0">
+            <a:schemeClr val="accent1"/>
+          </a:effectRef>
+          <a:fontRef idx="minor">
+            <a:schemeClr val="lt1"/>
+          </a:fontRef>
+        </p:style>
+        <p:txBody>
+          <a:bodyPr rtlCol="0" anchor="ctr"/>
+          <a:lstStyle/>
+          <a:p>
+            <a:pPr algn="ctr"/>
+            <a:endParaRPr lang="en-US"/>
+          </a:p>
+        </p:txBody>
+      </p:sp>
+      <p:sp>
+        <p:nvSpPr>
+          <p:cNvPr id="12" name="Oval 11"/>
+          <p:cNvSpPr/>
+          <p:nvPr/>
+        </p:nvSpPr>
+        <p:spPr>
+          <a:xfrm>
+            <a:off x="4873317" y="2268514"/>
+            <a:ext cx="152400" cy="106362"/>
+          </a:xfrm>
+          <a:prstGeom prst="ellipse">
+            <a:avLst/>
+          </a:prstGeom>
+        </p:spPr>
+        <p:style>
+          <a:lnRef idx="2">
+            <a:schemeClr val="accent1">
+              <a:shade val="50000"/>
+            </a:schemeClr>
+          </a:lnRef>
+          <a:fillRef idx="1">
+            <a:schemeClr val="accent1"/>
+          </a:fillRef>
+          <a:effectRef idx="0">
+            <a:schemeClr val="accent1"/>
+          </a:effectRef>
+          <a:fontRef idx="minor">
+            <a:schemeClr val="lt1"/>
+          </a:fontRef>
+        </p:style>
+        <p:txBody>
+          <a:bodyPr rtlCol="0" anchor="ctr"/>
+          <a:lstStyle/>
+          <a:p>
+            <a:pPr algn="ctr"/>
+            <a:endParaRPr lang="en-US"/>
+          </a:p>
+        </p:txBody>
+      </p:sp>
+      <p:sp>
+        <p:nvSpPr>
+          <p:cNvPr id="13" name="Rectangle 12"/>
+          <p:cNvSpPr/>
+          <p:nvPr/>
+        </p:nvSpPr>
+        <p:spPr>
+          <a:xfrm>
+            <a:off x="6604323" y="2284010"/>
+            <a:ext cx="228600" cy="45719"/>
+          </a:xfrm>
+          <a:prstGeom prst="rect">
+            <a:avLst/>
+          </a:prstGeom>
+        </p:spPr>
+        <p:style>
+          <a:lnRef idx="2">
+            <a:schemeClr val="accent1">
+              <a:shade val="50000"/>
+            </a:schemeClr>
+          </a:lnRef>
+          <a:fillRef idx="1">
+            <a:schemeClr val="accent1"/>
+          </a:fillRef>
+          <a:effectRef idx="0">
+            <a:schemeClr val="accent1"/>
+          </a:effectRef>
+          <a:fontRef idx="minor">
+            <a:schemeClr val="lt1"/>
+          </a:fontRef>
+        </p:style>
+        <p:txBody>
+          <a:bodyPr rtlCol="0" anchor="ctr"/>
+          <a:lstStyle/>
+          <a:p>
+            <a:pPr algn="ctr"/>
+            <a:endParaRPr lang="en-US"/>
+          </a:p>
+        </p:txBody>
+      </p:sp>
+      <p:sp>
+        <p:nvSpPr>
+          <p:cNvPr id="14" name="Rectangle 13"/>
+          <p:cNvSpPr/>
+          <p:nvPr/>
+        </p:nvSpPr>
+        <p:spPr>
+          <a:xfrm>
+            <a:off x="7034447" y="2284010"/>
+            <a:ext cx="228600" cy="45719"/>
+          </a:xfrm>
+          <a:prstGeom prst="rect">
+            <a:avLst/>
+          </a:prstGeom>
+        </p:spPr>
+        <p:style>
+          <a:lnRef idx="2">
+            <a:schemeClr val="accent1">
+              <a:shade val="50000"/>
+            </a:schemeClr>
+          </a:lnRef>
+          <a:fillRef idx="1">
+            <a:schemeClr val="accent1"/>
+          </a:fillRef>
+          <a:effectRef idx="0">
+            <a:schemeClr val="accent1"/>
+          </a:effectRef>
+          <a:fontRef idx="minor">
+            <a:schemeClr val="lt1"/>
+          </a:fontRef>
+        </p:style>
+        <p:txBody>
+          <a:bodyPr rtlCol="0" anchor="ctr"/>
+          <a:lstStyle/>
+          <a:p>
+            <a:pPr algn="ctr"/>
+            <a:endParaRPr lang="en-US"/>
+          </a:p>
+        </p:txBody>
+      </p:sp>
+      <p:sp>
+        <p:nvSpPr>
+          <p:cNvPr id="15" name="Oval 14"/>
+          <p:cNvSpPr/>
+          <p:nvPr/>
+        </p:nvSpPr>
+        <p:spPr>
+          <a:xfrm>
+            <a:off x="7464571" y="2279528"/>
+            <a:ext cx="152400" cy="106362"/>
+          </a:xfrm>
+          <a:prstGeom prst="ellipse">
+            <a:avLst/>
+          </a:prstGeom>
+        </p:spPr>
+        <p:style>
+          <a:lnRef idx="2">
+            <a:schemeClr val="accent1">
+              <a:shade val="50000"/>
+            </a:schemeClr>
+          </a:lnRef>
+          <a:fillRef idx="1">
+            <a:schemeClr val="accent1"/>
+          </a:fillRef>
+          <a:effectRef idx="0">
+            <a:schemeClr val="accent1"/>
+          </a:effectRef>
+          <a:fontRef idx="minor">
+            <a:schemeClr val="lt1"/>
+          </a:fontRef>
+        </p:style>
+        <p:txBody>
+          <a:bodyPr rtlCol="0" anchor="ctr"/>
+          <a:lstStyle/>
+          <a:p>
+            <a:pPr algn="ctr"/>
+            <a:endParaRPr lang="en-US"/>
+          </a:p>
+        </p:txBody>
+      </p:sp>
+      <p:cxnSp>
+        <p:nvCxnSpPr>
+          <p:cNvPr id="16" name="Straight Arrow Connector 15"/>
+          <p:cNvCxnSpPr/>
+          <p:nvPr/>
+        </p:nvCxnSpPr>
+        <p:spPr>
+          <a:xfrm flipH="1">
+            <a:off x="1524000" y="2405198"/>
+            <a:ext cx="1638300" cy="1023802"/>
+          </a:xfrm>
+          <a:prstGeom prst="straightConnector1">
+            <a:avLst/>
+          </a:prstGeom>
+          <a:ln w="28575">
+            <a:solidFill>
+              <a:srgbClr val="7030A0"/>
+            </a:solidFill>
+            <a:tailEnd type="triangle"/>
+          </a:ln>
+        </p:spPr>
+        <p:style>
+          <a:lnRef idx="1">
+            <a:schemeClr val="accent1"/>
+          </a:lnRef>
+          <a:fillRef idx="0">
+            <a:schemeClr val="accent1"/>
+          </a:fillRef>
+          <a:effectRef idx="0">
+            <a:schemeClr val="accent1"/>
+          </a:effectRef>
+          <a:fontRef idx="minor">
+            <a:schemeClr val="tx1"/>
+          </a:fontRef>
+        </p:style>
+      </p:cxnSp>
+      <p:cxnSp>
+        <p:nvCxnSpPr>
+          <p:cNvPr id="19" name="Straight Arrow Connector 18"/>
+          <p:cNvCxnSpPr/>
+          <p:nvPr/>
+        </p:nvCxnSpPr>
+        <p:spPr>
+          <a:xfrm flipH="1">
+            <a:off x="1403158" y="2494507"/>
+            <a:ext cx="3207169" cy="1834554"/>
+          </a:xfrm>
+          <a:prstGeom prst="straightConnector1">
+            <a:avLst/>
+          </a:prstGeom>
+          <a:ln w="28575">
+            <a:solidFill>
+              <a:srgbClr val="0070C0"/>
+            </a:solidFill>
+            <a:tailEnd type="triangle"/>
+          </a:ln>
+        </p:spPr>
+        <p:style>
+          <a:lnRef idx="1">
+            <a:schemeClr val="accent1"/>
+          </a:lnRef>
+          <a:fillRef idx="0">
+            <a:schemeClr val="accent1"/>
+          </a:fillRef>
+          <a:effectRef idx="0">
+            <a:schemeClr val="accent1"/>
+          </a:effectRef>
+          <a:fontRef idx="minor">
+            <a:schemeClr val="tx1"/>
+          </a:fontRef>
+        </p:style>
+      </p:cxnSp>
+      <p:cxnSp>
+        <p:nvCxnSpPr>
+          <p:cNvPr id="22" name="Straight Arrow Connector 21"/>
+          <p:cNvCxnSpPr/>
+          <p:nvPr/>
+        </p:nvCxnSpPr>
+        <p:spPr>
+          <a:xfrm flipH="1">
+            <a:off x="1288858" y="2560638"/>
+            <a:ext cx="4472374" cy="2367823"/>
+          </a:xfrm>
+          <a:prstGeom prst="straightConnector1">
+            <a:avLst/>
+          </a:prstGeom>
+          <a:ln w="28575">
+            <a:solidFill>
+              <a:srgbClr val="7030A0"/>
+            </a:solidFill>
+            <a:tailEnd type="triangle"/>
+          </a:ln>
+        </p:spPr>
+        <p:style>
+          <a:lnRef idx="1">
+            <a:schemeClr val="accent1"/>
+          </a:lnRef>
+          <a:fillRef idx="0">
+            <a:schemeClr val="accent1"/>
+          </a:fillRef>
+          <a:effectRef idx="0">
+            <a:schemeClr val="accent1"/>
+          </a:effectRef>
+          <a:fontRef idx="minor">
+            <a:schemeClr val="tx1"/>
+          </a:fontRef>
+        </p:style>
+      </p:cxnSp>
+      <p:cxnSp>
+        <p:nvCxnSpPr>
+          <p:cNvPr id="24" name="Straight Arrow Connector 23"/>
+          <p:cNvCxnSpPr/>
+          <p:nvPr/>
+        </p:nvCxnSpPr>
+        <p:spPr>
+          <a:xfrm flipH="1">
+            <a:off x="1440910" y="2511560"/>
+            <a:ext cx="5707837" cy="3084079"/>
+          </a:xfrm>
+          <a:prstGeom prst="straightConnector1">
+            <a:avLst/>
+          </a:prstGeom>
+          <a:ln w="28575">
+            <a:solidFill>
+              <a:srgbClr val="0070C0"/>
+            </a:solidFill>
+            <a:tailEnd type="triangle"/>
+          </a:ln>
+        </p:spPr>
+        <p:style>
+          <a:lnRef idx="1">
+            <a:schemeClr val="accent1"/>
+          </a:lnRef>
+          <a:fillRef idx="0">
+            <a:schemeClr val="accent1"/>
+          </a:fillRef>
+          <a:effectRef idx="0">
+            <a:schemeClr val="accent1"/>
+          </a:effectRef>
+          <a:fontRef idx="minor">
+            <a:schemeClr val="tx1"/>
+          </a:fontRef>
+        </p:style>
+      </p:cxnSp>
+    </p:spTree>
+    <p:extLst>
+      <p:ext uri="{BB962C8B-B14F-4D97-AF65-F5344CB8AC3E}">
+        <p14:creationId xmlns:p14="http://schemas.microsoft.com/office/powerpoint/2010/main" val="1890066788"/>
+      </p:ext>
+    </p:extLst>
+  </p:cSld>
+  <p:clrMapOvr>
+    <a:masterClrMapping/>
+  </p:clrMapOvr>
+  <p:timing>
+    <p:tnLst>
+      <p:par>
+        <p:cTn id="1" dur="indefinite" restart="never" nodeType="tmRoot">
+          <p:childTnLst>
+            <p:seq concurrent="1" nextAc="seek">
+              <p:cTn id="2" dur="indefinite" nodeType="mainSeq">
+                <p:childTnLst>
+                  <p:par>
+                    <p:cTn id="3" fill="hold">
+                      <p:stCondLst>
+                        <p:cond delay="indefinite"/>
+                      </p:stCondLst>
+                      <p:childTnLst>
+                        <p:par>
+                          <p:cTn id="4" fill="hold">
+                            <p:stCondLst>
+                              <p:cond delay="0"/>
+                            </p:stCondLst>
+                            <p:childTnLst>
+                              <p:par>
+                                <p:cTn id="5" presetID="1" presetClass="entr" presetSubtype="0" fill="hold" nodeType="clickEffect">
+                                  <p:stCondLst>
+                                    <p:cond delay="0"/>
+                                  </p:stCondLst>
+                                  <p:childTnLst>
+                                    <p:set>
+                                      <p:cBhvr>
+                                        <p:cTn id="6" dur="1" fill="hold">
+                                          <p:stCondLst>
+                                            <p:cond delay="0"/>
+                                          </p:stCondLst>
+                                        </p:cTn>
+                                        <p:tgtEl>
+                                          <p:spTgt spid="16"/>
+                                        </p:tgtEl>
+                                        <p:attrNameLst>
+                                          <p:attrName>style.visibility</p:attrName>
+                                        </p:attrNameLst>
+                                      </p:cBhvr>
+                                      <p:to>
+                                        <p:strVal val="visible"/>
+                                      </p:to>
+                                    </p:set>
+                                  </p:childTnLst>
+                                </p:cTn>
+                              </p:par>
+                            </p:childTnLst>
+                          </p:cTn>
+                        </p:par>
+                      </p:childTnLst>
+                    </p:cTn>
+                  </p:par>
+                  <p:par>
+                    <p:cTn id="7" fill="hold">
+                      <p:stCondLst>
+                        <p:cond delay="indefinite"/>
+                      </p:stCondLst>
+                      <p:childTnLst>
+                        <p:par>
+                          <p:cTn id="8" fill="hold">
+                            <p:stCondLst>
+                              <p:cond delay="0"/>
+                            </p:stCondLst>
+                            <p:childTnLst>
+                              <p:par>
+                                <p:cTn id="9" presetID="1" presetClass="entr" presetSubtype="0" fill="hold" nodeType="clickEffect">
+                                  <p:stCondLst>
+                                    <p:cond delay="0"/>
+                                  </p:stCondLst>
+                                  <p:childTnLst>
+                                    <p:set>
+                                      <p:cBhvr>
+                                        <p:cTn id="10" dur="1" fill="hold">
+                                          <p:stCondLst>
+                                            <p:cond delay="0"/>
+                                          </p:stCondLst>
+                                        </p:cTn>
+                                        <p:tgtEl>
+                                          <p:spTgt spid="19"/>
+                                        </p:tgtEl>
+                                        <p:attrNameLst>
+                                          <p:attrName>style.visibility</p:attrName>
+                                        </p:attrNameLst>
+                                      </p:cBhvr>
+                                      <p:to>
+                                        <p:strVal val="visible"/>
+                                      </p:to>
+                                    </p:set>
+                                  </p:childTnLst>
+                                </p:cTn>
+                              </p:par>
+                            </p:childTnLst>
+                          </p:cTn>
+                        </p:par>
+                      </p:childTnLst>
+                    </p:cTn>
+                  </p:par>
+                  <p:par>
+                    <p:cTn id="11" fill="hold">
+                      <p:stCondLst>
+                        <p:cond delay="indefinite"/>
+                      </p:stCondLst>
+                      <p:childTnLst>
+                        <p:par>
+                          <p:cTn id="12" fill="hold">
+                            <p:stCondLst>
+                              <p:cond delay="0"/>
+                            </p:stCondLst>
+                            <p:childTnLst>
+                              <p:par>
+                                <p:cTn id="13" presetID="1" presetClass="entr" presetSubtype="0" fill="hold" nodeType="clickEffect">
+                                  <p:stCondLst>
+                                    <p:cond delay="0"/>
+                                  </p:stCondLst>
+                                  <p:childTnLst>
+                                    <p:set>
+                                      <p:cBhvr>
+                                        <p:cTn id="14" dur="1" fill="hold">
+                                          <p:stCondLst>
+                                            <p:cond delay="0"/>
+                                          </p:stCondLst>
+                                        </p:cTn>
+                                        <p:tgtEl>
+                                          <p:spTgt spid="22"/>
+                                        </p:tgtEl>
+                                        <p:attrNameLst>
+                                          <p:attrName>style.visibility</p:attrName>
+                                        </p:attrNameLst>
+                                      </p:cBhvr>
+                                      <p:to>
+                                        <p:strVal val="visible"/>
+                                      </p:to>
+                                    </p:set>
+                                  </p:childTnLst>
+                                </p:cTn>
+                              </p:par>
+                            </p:childTnLst>
+                          </p:cTn>
+                        </p:par>
+                      </p:childTnLst>
+                    </p:cTn>
+                  </p:par>
+                  <p:par>
+                    <p:cTn id="15" fill="hold">
+                      <p:stCondLst>
+                        <p:cond delay="indefinite"/>
+                      </p:stCondLst>
+                      <p:childTnLst>
+                        <p:par>
+                          <p:cTn id="16" fill="hold">
+                            <p:stCondLst>
+                              <p:cond delay="0"/>
+                            </p:stCondLst>
+                            <p:childTnLst>
+                              <p:par>
+                                <p:cTn id="17" presetID="1" presetClass="entr" presetSubtype="0" fill="hold" nodeType="clickEffect">
+                                  <p:stCondLst>
+                                    <p:cond delay="0"/>
+                                  </p:stCondLst>
+                                  <p:childTnLst>
+                                    <p:set>
+                                      <p:cBhvr>
+                                        <p:cTn id="18" dur="1" fill="hold">
+                                          <p:stCondLst>
+                                            <p:cond delay="0"/>
+                                          </p:stCondLst>
+                                        </p:cTn>
+                                        <p:tgtEl>
+                                          <p:spTgt spid="24"/>
+                                        </p:tgtEl>
+                                        <p:attrNameLst>
+                                          <p:attrName>style.visibility</p:attrName>
+                                        </p:attrNameLst>
+                                      </p:cBhvr>
+                                      <p:to>
+                                        <p:strVal val="visible"/>
+                                      </p:to>
+                                    </p:set>
+                                  </p:childTnLst>
+                                </p:cTn>
+                              </p:par>
+                            </p:childTnLst>
+                          </p:cTn>
+                        </p:par>
+                      </p:childTnLst>
+                    </p:cTn>
+                  </p:par>
+                </p:childTnLst>
+              </p:cTn>
+              <p:prevCondLst>
+                <p:cond evt="onPrev" delay="0">
+                  <p:tgtEl>
+                    <p:sldTgt/>
+                  </p:tgtEl>
+                </p:cond>
+              </p:prevCondLst>
+              <p:nextCondLst>
+                <p:cond evt="onNext" delay="0">
+                  <p:tgtEl>
+                    <p:sldTgt/>
+                  </p:tgtEl>
+                </p:cond>
+              </p:nextCondLst>
+            </p:seq>
+          </p:childTnLst>
+        </p:cTn>
+      </p:par>
+    </p:tnLst>
+  </p:timing>
 </p:sld>
 </file>
 
@@ -3812,9 +5083,10 @@
           <a:lstStyle/>
           <a:p>
             <a:r>
-              <a:rPr lang="en-US" dirty="0"/>
-              <a:t>History of Morse Code</a:t>
-            </a:r>
+              <a:rPr lang="en-CA" dirty="0" smtClean="0"/>
+              <a:t>Sample Code</a:t>
+            </a:r>
+            <a:endParaRPr lang="en-US" dirty="0"/>
           </a:p>
         </p:txBody>
       </p:sp>
@@ -3828,36 +5100,1134 @@
             <p:ph idx="1"/>
           </p:nvPr>
         </p:nvSpPr>
-        <p:spPr/>
+        <p:spPr>
+          <a:xfrm>
+            <a:off x="457200" y="2667000"/>
+            <a:ext cx="2389276" cy="3962400"/>
+          </a:xfrm>
+        </p:spPr>
         <p:txBody>
           <a:bodyPr>
-            <a:normAutofit/>
+            <a:normAutofit fontScale="92500" lnSpcReduction="20000"/>
           </a:bodyPr>
           <a:lstStyle/>
           <a:p>
-            <a:r>
-              <a:rPr lang="en-US" sz="2800" dirty="0">
-                <a:hlinkClick r:id="rId2"/>
-              </a:rPr>
-              <a:t>https://www.youtube.com/watch?v=bNoOYeS0gs0</a:t>
-            </a:r>
-            <a:endParaRPr lang="en-US" sz="2800" dirty="0"/>
-          </a:p>
-          <a:p>
-            <a:endParaRPr lang="en-US" sz="2800" dirty="0"/>
+            <a:pPr marL="0" indent="0">
+              <a:buNone/>
+            </a:pPr>
+            <a:r>
+              <a:rPr lang="en-CA" sz="1800" dirty="0" smtClean="0">
+                <a:latin typeface="Arial Narrow" panose="020B0606020202030204" pitchFamily="34" charset="0"/>
+              </a:rPr>
+              <a:t>void loop () {</a:t>
+            </a:r>
+          </a:p>
+          <a:p>
+            <a:pPr marL="0" indent="0">
+              <a:buNone/>
+            </a:pPr>
+            <a:r>
+              <a:rPr lang="en-CA" sz="1800" dirty="0" smtClean="0">
+                <a:latin typeface="Arial Narrow" panose="020B0606020202030204" pitchFamily="34" charset="0"/>
+              </a:rPr>
+              <a:t>    </a:t>
+            </a:r>
+            <a:r>
+              <a:rPr lang="en-CA" sz="1800" dirty="0" smtClean="0">
+                <a:solidFill>
+                  <a:srgbClr val="7030A0"/>
+                </a:solidFill>
+                <a:latin typeface="Arial Narrow" panose="020B0606020202030204" pitchFamily="34" charset="0"/>
+              </a:rPr>
+              <a:t>dash();</a:t>
+            </a:r>
+          </a:p>
+          <a:p>
+            <a:pPr marL="0" indent="0">
+              <a:buNone/>
+            </a:pPr>
+            <a:r>
+              <a:rPr lang="en-CA" sz="1800" dirty="0">
+                <a:latin typeface="Arial Narrow" panose="020B0606020202030204" pitchFamily="34" charset="0"/>
+              </a:rPr>
+              <a:t> </a:t>
+            </a:r>
+            <a:r>
+              <a:rPr lang="en-CA" sz="1800" dirty="0" smtClean="0">
+                <a:latin typeface="Arial Narrow" panose="020B0606020202030204" pitchFamily="34" charset="0"/>
+              </a:rPr>
+              <a:t>   </a:t>
+            </a:r>
+            <a:r>
+              <a:rPr lang="en-CA" sz="1800" dirty="0" smtClean="0">
+                <a:solidFill>
+                  <a:srgbClr val="7030A0"/>
+                </a:solidFill>
+                <a:latin typeface="Arial Narrow" panose="020B0606020202030204" pitchFamily="34" charset="0"/>
+              </a:rPr>
+              <a:t>dash();</a:t>
+            </a:r>
+          </a:p>
+          <a:p>
+            <a:pPr marL="0" indent="0">
+              <a:buNone/>
+            </a:pPr>
+            <a:r>
+              <a:rPr lang="en-CA" sz="1800" dirty="0">
+                <a:latin typeface="Arial Narrow" panose="020B0606020202030204" pitchFamily="34" charset="0"/>
+              </a:rPr>
+              <a:t> </a:t>
+            </a:r>
+            <a:r>
+              <a:rPr lang="en-CA" sz="1800" dirty="0" smtClean="0">
+                <a:latin typeface="Arial Narrow" panose="020B0606020202030204" pitchFamily="34" charset="0"/>
+              </a:rPr>
+              <a:t>   </a:t>
+            </a:r>
+            <a:r>
+              <a:rPr lang="en-CA" sz="1800" dirty="0" smtClean="0">
+                <a:solidFill>
+                  <a:srgbClr val="7030A0"/>
+                </a:solidFill>
+                <a:latin typeface="Arial Narrow" panose="020B0606020202030204" pitchFamily="34" charset="0"/>
+              </a:rPr>
+              <a:t>dot</a:t>
+            </a:r>
+            <a:r>
+              <a:rPr lang="en-CA" sz="1800" dirty="0" smtClean="0">
+                <a:solidFill>
+                  <a:srgbClr val="7030A0"/>
+                </a:solidFill>
+                <a:latin typeface="Arial Narrow" panose="020B0606020202030204" pitchFamily="34" charset="0"/>
+              </a:rPr>
+              <a:t>();</a:t>
+            </a:r>
+          </a:p>
+          <a:p>
+            <a:pPr marL="0" indent="0">
+              <a:buNone/>
+            </a:pPr>
+            <a:r>
+              <a:rPr lang="en-CA" sz="1800" dirty="0" smtClean="0">
+                <a:solidFill>
+                  <a:srgbClr val="7030A0"/>
+                </a:solidFill>
+                <a:latin typeface="Arial Narrow" panose="020B0606020202030204" pitchFamily="34" charset="0"/>
+              </a:rPr>
+              <a:t>    </a:t>
+            </a:r>
+            <a:r>
+              <a:rPr lang="en-CA" sz="1800" dirty="0" smtClean="0">
+                <a:latin typeface="Arial Narrow" panose="020B0606020202030204" pitchFamily="34" charset="0"/>
+              </a:rPr>
+              <a:t>blank();</a:t>
+            </a:r>
+            <a:endParaRPr lang="en-CA" sz="1800" dirty="0">
+              <a:latin typeface="Arial Narrow" panose="020B0606020202030204" pitchFamily="34" charset="0"/>
+            </a:endParaRPr>
+          </a:p>
+          <a:p>
+            <a:pPr marL="0" indent="0">
+              <a:buNone/>
+            </a:pPr>
+            <a:r>
+              <a:rPr lang="en-CA" sz="1800" dirty="0">
+                <a:latin typeface="Arial Narrow" panose="020B0606020202030204" pitchFamily="34" charset="0"/>
+              </a:rPr>
+              <a:t>    </a:t>
+            </a:r>
+            <a:r>
+              <a:rPr lang="en-CA" sz="1800" dirty="0">
+                <a:solidFill>
+                  <a:srgbClr val="0070C0"/>
+                </a:solidFill>
+                <a:latin typeface="Arial Narrow" panose="020B0606020202030204" pitchFamily="34" charset="0"/>
+              </a:rPr>
+              <a:t>dot();</a:t>
+            </a:r>
+          </a:p>
+          <a:p>
+            <a:pPr marL="0" indent="0">
+              <a:buNone/>
+            </a:pPr>
+            <a:r>
+              <a:rPr lang="en-CA" sz="1800" dirty="0" smtClean="0">
+                <a:solidFill>
+                  <a:srgbClr val="0070C0"/>
+                </a:solidFill>
+                <a:latin typeface="Arial Narrow" panose="020B0606020202030204" pitchFamily="34" charset="0"/>
+              </a:rPr>
+              <a:t>    dash();</a:t>
+            </a:r>
+            <a:endParaRPr lang="en-CA" sz="1800" dirty="0">
+              <a:solidFill>
+                <a:srgbClr val="0070C0"/>
+              </a:solidFill>
+              <a:latin typeface="Arial Narrow" panose="020B0606020202030204" pitchFamily="34" charset="0"/>
+            </a:endParaRPr>
+          </a:p>
+          <a:p>
+            <a:pPr marL="0" indent="0">
+              <a:buNone/>
+            </a:pPr>
+            <a:r>
+              <a:rPr lang="en-CA" sz="1800" dirty="0" smtClean="0">
+                <a:solidFill>
+                  <a:srgbClr val="0070C0"/>
+                </a:solidFill>
+                <a:latin typeface="Arial Narrow" panose="020B0606020202030204" pitchFamily="34" charset="0"/>
+              </a:rPr>
+              <a:t>    </a:t>
+            </a:r>
+            <a:r>
+              <a:rPr lang="en-CA" sz="1800" dirty="0">
+                <a:solidFill>
+                  <a:srgbClr val="0070C0"/>
+                </a:solidFill>
+                <a:latin typeface="Arial Narrow" panose="020B0606020202030204" pitchFamily="34" charset="0"/>
+              </a:rPr>
+              <a:t>dot</a:t>
+            </a:r>
+            <a:r>
+              <a:rPr lang="en-CA" sz="1800" dirty="0" smtClean="0">
+                <a:solidFill>
+                  <a:srgbClr val="0070C0"/>
+                </a:solidFill>
+                <a:latin typeface="Arial Narrow" panose="020B0606020202030204" pitchFamily="34" charset="0"/>
+              </a:rPr>
+              <a:t>();</a:t>
+            </a:r>
+          </a:p>
+          <a:p>
+            <a:pPr marL="0" indent="0">
+              <a:buNone/>
+            </a:pPr>
+            <a:r>
+              <a:rPr lang="en-CA" sz="1800" dirty="0">
+                <a:latin typeface="Arial Narrow" panose="020B0606020202030204" pitchFamily="34" charset="0"/>
+              </a:rPr>
+              <a:t> </a:t>
+            </a:r>
+            <a:r>
+              <a:rPr lang="en-CA" sz="1800" dirty="0" smtClean="0">
+                <a:latin typeface="Arial Narrow" panose="020B0606020202030204" pitchFamily="34" charset="0"/>
+              </a:rPr>
+              <a:t>   blank();</a:t>
+            </a:r>
+            <a:endParaRPr lang="en-CA" sz="1800" dirty="0" smtClean="0">
+              <a:latin typeface="Arial Narrow" panose="020B0606020202030204" pitchFamily="34" charset="0"/>
+            </a:endParaRPr>
+          </a:p>
+          <a:p>
+            <a:pPr marL="0" indent="0">
+              <a:buNone/>
+            </a:pPr>
+            <a:r>
+              <a:rPr lang="en-CA" sz="1800" dirty="0" smtClean="0">
+                <a:solidFill>
+                  <a:srgbClr val="7030A0"/>
+                </a:solidFill>
+                <a:latin typeface="Arial Narrow" panose="020B0606020202030204" pitchFamily="34" charset="0"/>
+              </a:rPr>
+              <a:t>    dot</a:t>
+            </a:r>
+            <a:r>
+              <a:rPr lang="en-CA" sz="1800" dirty="0" smtClean="0">
+                <a:solidFill>
+                  <a:srgbClr val="7030A0"/>
+                </a:solidFill>
+                <a:latin typeface="Arial Narrow" panose="020B0606020202030204" pitchFamily="34" charset="0"/>
+              </a:rPr>
+              <a:t>();</a:t>
+            </a:r>
+          </a:p>
+          <a:p>
+            <a:pPr marL="0" indent="0">
+              <a:buNone/>
+            </a:pPr>
+            <a:r>
+              <a:rPr lang="en-CA" sz="1800" dirty="0">
+                <a:solidFill>
+                  <a:srgbClr val="7030A0"/>
+                </a:solidFill>
+                <a:latin typeface="Arial Narrow" panose="020B0606020202030204" pitchFamily="34" charset="0"/>
+              </a:rPr>
+              <a:t> </a:t>
+            </a:r>
+            <a:r>
+              <a:rPr lang="en-CA" sz="1800" dirty="0" smtClean="0">
+                <a:solidFill>
+                  <a:srgbClr val="7030A0"/>
+                </a:solidFill>
+                <a:latin typeface="Arial Narrow" panose="020B0606020202030204" pitchFamily="34" charset="0"/>
+              </a:rPr>
+              <a:t>   </a:t>
+            </a:r>
+            <a:r>
+              <a:rPr lang="en-CA" sz="1800" dirty="0" smtClean="0">
+                <a:latin typeface="Arial Narrow" panose="020B0606020202030204" pitchFamily="34" charset="0"/>
+              </a:rPr>
+              <a:t>blank();</a:t>
+            </a:r>
+            <a:endParaRPr lang="en-CA" sz="1800" dirty="0">
+              <a:latin typeface="Arial Narrow" panose="020B0606020202030204" pitchFamily="34" charset="0"/>
+            </a:endParaRPr>
+          </a:p>
+          <a:p>
+            <a:pPr marL="0" indent="0">
+              <a:buNone/>
+            </a:pPr>
+            <a:r>
+              <a:rPr lang="en-CA" sz="1800" dirty="0" smtClean="0">
+                <a:solidFill>
+                  <a:srgbClr val="0070C0"/>
+                </a:solidFill>
+                <a:latin typeface="Arial Narrow" panose="020B0606020202030204" pitchFamily="34" charset="0"/>
+              </a:rPr>
+              <a:t>    dash</a:t>
+            </a:r>
+            <a:r>
+              <a:rPr lang="en-CA" sz="1800" dirty="0">
+                <a:solidFill>
+                  <a:srgbClr val="0070C0"/>
+                </a:solidFill>
+                <a:latin typeface="Arial Narrow" panose="020B0606020202030204" pitchFamily="34" charset="0"/>
+              </a:rPr>
+              <a:t>();</a:t>
+            </a:r>
+          </a:p>
+          <a:p>
+            <a:pPr marL="0" indent="0">
+              <a:buNone/>
+            </a:pPr>
+            <a:r>
+              <a:rPr lang="en-CA" sz="1800" dirty="0">
+                <a:solidFill>
+                  <a:srgbClr val="0070C0"/>
+                </a:solidFill>
+                <a:latin typeface="Arial Narrow" panose="020B0606020202030204" pitchFamily="34" charset="0"/>
+              </a:rPr>
+              <a:t>    dash();</a:t>
+            </a:r>
+          </a:p>
+          <a:p>
+            <a:pPr marL="0" indent="0">
+              <a:buNone/>
+            </a:pPr>
+            <a:r>
+              <a:rPr lang="en-CA" sz="1800" dirty="0">
+                <a:solidFill>
+                  <a:srgbClr val="0070C0"/>
+                </a:solidFill>
+                <a:latin typeface="Arial Narrow" panose="020B0606020202030204" pitchFamily="34" charset="0"/>
+              </a:rPr>
+              <a:t>    dot</a:t>
+            </a:r>
+            <a:r>
+              <a:rPr lang="en-CA" sz="1800" dirty="0" smtClean="0">
+                <a:solidFill>
+                  <a:srgbClr val="0070C0"/>
+                </a:solidFill>
+                <a:latin typeface="Arial Narrow" panose="020B0606020202030204" pitchFamily="34" charset="0"/>
+              </a:rPr>
+              <a:t>();</a:t>
+            </a:r>
+            <a:endParaRPr lang="en-CA" sz="1800" dirty="0" smtClean="0">
+              <a:latin typeface="Arial Narrow" panose="020B0606020202030204" pitchFamily="34" charset="0"/>
+            </a:endParaRPr>
+          </a:p>
+          <a:p>
+            <a:pPr marL="0" indent="0">
+              <a:buNone/>
+            </a:pPr>
+            <a:r>
+              <a:rPr lang="en-CA" sz="1800" dirty="0">
+                <a:latin typeface="Arial Narrow" panose="020B0606020202030204" pitchFamily="34" charset="0"/>
+              </a:rPr>
+              <a:t>}</a:t>
+            </a:r>
+            <a:endParaRPr lang="en-US" sz="1800" dirty="0">
+              <a:latin typeface="Arial Narrow" panose="020B0606020202030204" pitchFamily="34" charset="0"/>
+            </a:endParaRPr>
+          </a:p>
+        </p:txBody>
+      </p:sp>
+      <p:sp>
+        <p:nvSpPr>
+          <p:cNvPr id="4" name="TextBox 3"/>
+          <p:cNvSpPr txBox="1"/>
+          <p:nvPr/>
+        </p:nvSpPr>
+        <p:spPr>
+          <a:xfrm>
+            <a:off x="2927158" y="1417638"/>
+            <a:ext cx="4544834" cy="830997"/>
+          </a:xfrm>
+          <a:prstGeom prst="rect">
+            <a:avLst/>
+          </a:prstGeom>
+          <a:noFill/>
+        </p:spPr>
+        <p:txBody>
+          <a:bodyPr wrap="none" rtlCol="0">
+            <a:spAutoFit/>
+          </a:bodyPr>
+          <a:lstStyle/>
+          <a:p>
+            <a:r>
+              <a:rPr lang="en-CA" sz="4800" b="1" dirty="0" smtClean="0">
+                <a:solidFill>
+                  <a:srgbClr val="7030A0"/>
+                </a:solidFill>
+              </a:rPr>
+              <a:t>G</a:t>
+            </a:r>
+            <a:r>
+              <a:rPr lang="en-CA" sz="4800" b="1" dirty="0" smtClean="0">
+                <a:solidFill>
+                  <a:schemeClr val="accent1"/>
+                </a:solidFill>
+              </a:rPr>
+              <a:t>       R       E       G</a:t>
+            </a:r>
+            <a:endParaRPr lang="en-US" sz="4800" b="1" dirty="0">
+              <a:solidFill>
+                <a:schemeClr val="accent1"/>
+              </a:solidFill>
+            </a:endParaRPr>
+          </a:p>
+        </p:txBody>
+      </p:sp>
+      <p:sp>
+        <p:nvSpPr>
+          <p:cNvPr id="6" name="Oval 5"/>
+          <p:cNvSpPr/>
+          <p:nvPr/>
+        </p:nvSpPr>
+        <p:spPr>
+          <a:xfrm>
+            <a:off x="5761232" y="2275976"/>
+            <a:ext cx="152400" cy="106362"/>
+          </a:xfrm>
+          <a:prstGeom prst="ellipse">
+            <a:avLst/>
+          </a:prstGeom>
+          <a:solidFill>
+            <a:srgbClr val="7030A0"/>
+          </a:solidFill>
+        </p:spPr>
+        <p:style>
+          <a:lnRef idx="2">
+            <a:schemeClr val="accent1">
+              <a:shade val="50000"/>
+            </a:schemeClr>
+          </a:lnRef>
+          <a:fillRef idx="1">
+            <a:schemeClr val="accent1"/>
+          </a:fillRef>
+          <a:effectRef idx="0">
+            <a:schemeClr val="accent1"/>
+          </a:effectRef>
+          <a:fontRef idx="minor">
+            <a:schemeClr val="lt1"/>
+          </a:fontRef>
+        </p:style>
+        <p:txBody>
+          <a:bodyPr rtlCol="0" anchor="ctr"/>
+          <a:lstStyle/>
+          <a:p>
+            <a:pPr algn="ctr"/>
+            <a:endParaRPr lang="en-US"/>
+          </a:p>
+        </p:txBody>
+      </p:sp>
+      <p:sp>
+        <p:nvSpPr>
+          <p:cNvPr id="7" name="Rectangle 6"/>
+          <p:cNvSpPr/>
+          <p:nvPr/>
+        </p:nvSpPr>
+        <p:spPr>
+          <a:xfrm>
+            <a:off x="2617876" y="2253117"/>
+            <a:ext cx="228600" cy="45719"/>
+          </a:xfrm>
+          <a:prstGeom prst="rect">
+            <a:avLst/>
+          </a:prstGeom>
+          <a:solidFill>
+            <a:srgbClr val="7030A0"/>
+          </a:solidFill>
+          <a:ln>
+            <a:solidFill>
+              <a:srgbClr val="7030A0"/>
+            </a:solidFill>
+          </a:ln>
+        </p:spPr>
+        <p:style>
+          <a:lnRef idx="2">
+            <a:schemeClr val="accent1">
+              <a:shade val="50000"/>
+            </a:schemeClr>
+          </a:lnRef>
+          <a:fillRef idx="1">
+            <a:schemeClr val="accent1"/>
+          </a:fillRef>
+          <a:effectRef idx="0">
+            <a:schemeClr val="accent1"/>
+          </a:effectRef>
+          <a:fontRef idx="minor">
+            <a:schemeClr val="lt1"/>
+          </a:fontRef>
+        </p:style>
+        <p:txBody>
+          <a:bodyPr rtlCol="0" anchor="ctr"/>
+          <a:lstStyle/>
+          <a:p>
+            <a:pPr algn="ctr"/>
+            <a:endParaRPr lang="en-US"/>
+          </a:p>
+        </p:txBody>
+      </p:sp>
+      <p:sp>
+        <p:nvSpPr>
+          <p:cNvPr id="8" name="Rectangle 7"/>
+          <p:cNvSpPr/>
+          <p:nvPr/>
+        </p:nvSpPr>
+        <p:spPr>
+          <a:xfrm>
+            <a:off x="3048000" y="2253117"/>
+            <a:ext cx="228600" cy="45719"/>
+          </a:xfrm>
+          <a:prstGeom prst="rect">
+            <a:avLst/>
+          </a:prstGeom>
+          <a:solidFill>
+            <a:srgbClr val="7030A0"/>
+          </a:solidFill>
+          <a:ln>
+            <a:solidFill>
+              <a:srgbClr val="7030A0"/>
+            </a:solidFill>
+          </a:ln>
+        </p:spPr>
+        <p:style>
+          <a:lnRef idx="2">
+            <a:schemeClr val="accent1">
+              <a:shade val="50000"/>
+            </a:schemeClr>
+          </a:lnRef>
+          <a:fillRef idx="1">
+            <a:schemeClr val="accent1"/>
+          </a:fillRef>
+          <a:effectRef idx="0">
+            <a:schemeClr val="accent1"/>
+          </a:effectRef>
+          <a:fontRef idx="minor">
+            <a:schemeClr val="lt1"/>
+          </a:fontRef>
+        </p:style>
+        <p:txBody>
+          <a:bodyPr rtlCol="0" anchor="ctr"/>
+          <a:lstStyle/>
+          <a:p>
+            <a:pPr algn="ctr"/>
+            <a:endParaRPr lang="en-US"/>
+          </a:p>
+        </p:txBody>
+      </p:sp>
+      <p:sp>
+        <p:nvSpPr>
+          <p:cNvPr id="9" name="Oval 8"/>
+          <p:cNvSpPr/>
+          <p:nvPr/>
+        </p:nvSpPr>
+        <p:spPr>
+          <a:xfrm>
+            <a:off x="3478124" y="2248635"/>
+            <a:ext cx="152400" cy="106362"/>
+          </a:xfrm>
+          <a:prstGeom prst="ellipse">
+            <a:avLst/>
+          </a:prstGeom>
+          <a:solidFill>
+            <a:srgbClr val="7030A0"/>
+          </a:solidFill>
+          <a:ln>
+            <a:solidFill>
+              <a:srgbClr val="7030A0"/>
+            </a:solidFill>
+          </a:ln>
+        </p:spPr>
+        <p:style>
+          <a:lnRef idx="2">
+            <a:schemeClr val="accent1">
+              <a:shade val="50000"/>
+            </a:schemeClr>
+          </a:lnRef>
+          <a:fillRef idx="1">
+            <a:schemeClr val="accent1"/>
+          </a:fillRef>
+          <a:effectRef idx="0">
+            <a:schemeClr val="accent1"/>
+          </a:effectRef>
+          <a:fontRef idx="minor">
+            <a:schemeClr val="lt1"/>
+          </a:fontRef>
+        </p:style>
+        <p:txBody>
+          <a:bodyPr rtlCol="0" anchor="ctr"/>
+          <a:lstStyle/>
+          <a:p>
+            <a:pPr algn="ctr"/>
+            <a:endParaRPr lang="en-US"/>
+          </a:p>
+        </p:txBody>
+      </p:sp>
+      <p:sp>
+        <p:nvSpPr>
+          <p:cNvPr id="10" name="Oval 9"/>
+          <p:cNvSpPr/>
+          <p:nvPr/>
+        </p:nvSpPr>
+        <p:spPr>
+          <a:xfrm>
+            <a:off x="4194937" y="2249082"/>
+            <a:ext cx="152400" cy="106362"/>
+          </a:xfrm>
+          <a:prstGeom prst="ellipse">
+            <a:avLst/>
+          </a:prstGeom>
+        </p:spPr>
+        <p:style>
+          <a:lnRef idx="2">
+            <a:schemeClr val="accent1">
+              <a:shade val="50000"/>
+            </a:schemeClr>
+          </a:lnRef>
+          <a:fillRef idx="1">
+            <a:schemeClr val="accent1"/>
+          </a:fillRef>
+          <a:effectRef idx="0">
+            <a:schemeClr val="accent1"/>
+          </a:effectRef>
+          <a:fontRef idx="minor">
+            <a:schemeClr val="lt1"/>
+          </a:fontRef>
+        </p:style>
+        <p:txBody>
+          <a:bodyPr rtlCol="0" anchor="ctr"/>
+          <a:lstStyle/>
+          <a:p>
+            <a:pPr algn="ctr"/>
+            <a:endParaRPr lang="en-US"/>
+          </a:p>
+        </p:txBody>
+      </p:sp>
+      <p:sp>
+        <p:nvSpPr>
+          <p:cNvPr id="11" name="Rectangle 10"/>
+          <p:cNvSpPr/>
+          <p:nvPr/>
+        </p:nvSpPr>
+        <p:spPr>
+          <a:xfrm>
+            <a:off x="4496027" y="2298836"/>
+            <a:ext cx="228600" cy="45719"/>
+          </a:xfrm>
+          <a:prstGeom prst="rect">
+            <a:avLst/>
+          </a:prstGeom>
+        </p:spPr>
+        <p:style>
+          <a:lnRef idx="2">
+            <a:schemeClr val="accent1">
+              <a:shade val="50000"/>
+            </a:schemeClr>
+          </a:lnRef>
+          <a:fillRef idx="1">
+            <a:schemeClr val="accent1"/>
+          </a:fillRef>
+          <a:effectRef idx="0">
+            <a:schemeClr val="accent1"/>
+          </a:effectRef>
+          <a:fontRef idx="minor">
+            <a:schemeClr val="lt1"/>
+          </a:fontRef>
+        </p:style>
+        <p:txBody>
+          <a:bodyPr rtlCol="0" anchor="ctr"/>
+          <a:lstStyle/>
+          <a:p>
+            <a:pPr algn="ctr"/>
+            <a:endParaRPr lang="en-US"/>
+          </a:p>
+        </p:txBody>
+      </p:sp>
+      <p:sp>
+        <p:nvSpPr>
+          <p:cNvPr id="12" name="Oval 11"/>
+          <p:cNvSpPr/>
+          <p:nvPr/>
+        </p:nvSpPr>
+        <p:spPr>
+          <a:xfrm>
+            <a:off x="4873317" y="2268514"/>
+            <a:ext cx="152400" cy="106362"/>
+          </a:xfrm>
+          <a:prstGeom prst="ellipse">
+            <a:avLst/>
+          </a:prstGeom>
+        </p:spPr>
+        <p:style>
+          <a:lnRef idx="2">
+            <a:schemeClr val="accent1">
+              <a:shade val="50000"/>
+            </a:schemeClr>
+          </a:lnRef>
+          <a:fillRef idx="1">
+            <a:schemeClr val="accent1"/>
+          </a:fillRef>
+          <a:effectRef idx="0">
+            <a:schemeClr val="accent1"/>
+          </a:effectRef>
+          <a:fontRef idx="minor">
+            <a:schemeClr val="lt1"/>
+          </a:fontRef>
+        </p:style>
+        <p:txBody>
+          <a:bodyPr rtlCol="0" anchor="ctr"/>
+          <a:lstStyle/>
+          <a:p>
+            <a:pPr algn="ctr"/>
+            <a:endParaRPr lang="en-US"/>
+          </a:p>
+        </p:txBody>
+      </p:sp>
+      <p:sp>
+        <p:nvSpPr>
+          <p:cNvPr id="13" name="Rectangle 12"/>
+          <p:cNvSpPr/>
+          <p:nvPr/>
+        </p:nvSpPr>
+        <p:spPr>
+          <a:xfrm>
+            <a:off x="6604323" y="2284010"/>
+            <a:ext cx="228600" cy="45719"/>
+          </a:xfrm>
+          <a:prstGeom prst="rect">
+            <a:avLst/>
+          </a:prstGeom>
+        </p:spPr>
+        <p:style>
+          <a:lnRef idx="2">
+            <a:schemeClr val="accent1">
+              <a:shade val="50000"/>
+            </a:schemeClr>
+          </a:lnRef>
+          <a:fillRef idx="1">
+            <a:schemeClr val="accent1"/>
+          </a:fillRef>
+          <a:effectRef idx="0">
+            <a:schemeClr val="accent1"/>
+          </a:effectRef>
+          <a:fontRef idx="minor">
+            <a:schemeClr val="lt1"/>
+          </a:fontRef>
+        </p:style>
+        <p:txBody>
+          <a:bodyPr rtlCol="0" anchor="ctr"/>
+          <a:lstStyle/>
+          <a:p>
+            <a:pPr algn="ctr"/>
+            <a:endParaRPr lang="en-US"/>
+          </a:p>
+        </p:txBody>
+      </p:sp>
+      <p:sp>
+        <p:nvSpPr>
+          <p:cNvPr id="14" name="Rectangle 13"/>
+          <p:cNvSpPr/>
+          <p:nvPr/>
+        </p:nvSpPr>
+        <p:spPr>
+          <a:xfrm>
+            <a:off x="7034447" y="2284010"/>
+            <a:ext cx="228600" cy="45719"/>
+          </a:xfrm>
+          <a:prstGeom prst="rect">
+            <a:avLst/>
+          </a:prstGeom>
+        </p:spPr>
+        <p:style>
+          <a:lnRef idx="2">
+            <a:schemeClr val="accent1">
+              <a:shade val="50000"/>
+            </a:schemeClr>
+          </a:lnRef>
+          <a:fillRef idx="1">
+            <a:schemeClr val="accent1"/>
+          </a:fillRef>
+          <a:effectRef idx="0">
+            <a:schemeClr val="accent1"/>
+          </a:effectRef>
+          <a:fontRef idx="minor">
+            <a:schemeClr val="lt1"/>
+          </a:fontRef>
+        </p:style>
+        <p:txBody>
+          <a:bodyPr rtlCol="0" anchor="ctr"/>
+          <a:lstStyle/>
+          <a:p>
+            <a:pPr algn="ctr"/>
+            <a:endParaRPr lang="en-US"/>
+          </a:p>
+        </p:txBody>
+      </p:sp>
+      <p:sp>
+        <p:nvSpPr>
+          <p:cNvPr id="15" name="Oval 14"/>
+          <p:cNvSpPr/>
+          <p:nvPr/>
+        </p:nvSpPr>
+        <p:spPr>
+          <a:xfrm>
+            <a:off x="7464571" y="2279528"/>
+            <a:ext cx="152400" cy="106362"/>
+          </a:xfrm>
+          <a:prstGeom prst="ellipse">
+            <a:avLst/>
+          </a:prstGeom>
+        </p:spPr>
+        <p:style>
+          <a:lnRef idx="2">
+            <a:schemeClr val="accent1">
+              <a:shade val="50000"/>
+            </a:schemeClr>
+          </a:lnRef>
+          <a:fillRef idx="1">
+            <a:schemeClr val="accent1"/>
+          </a:fillRef>
+          <a:effectRef idx="0">
+            <a:schemeClr val="accent1"/>
+          </a:effectRef>
+          <a:fontRef idx="minor">
+            <a:schemeClr val="lt1"/>
+          </a:fontRef>
+        </p:style>
+        <p:txBody>
+          <a:bodyPr rtlCol="0" anchor="ctr"/>
+          <a:lstStyle/>
+          <a:p>
+            <a:pPr algn="ctr"/>
+            <a:endParaRPr lang="en-US"/>
+          </a:p>
+        </p:txBody>
+      </p:sp>
+      <p:sp>
+        <p:nvSpPr>
+          <p:cNvPr id="16" name="Content Placeholder 2"/>
+          <p:cNvSpPr txBox="1">
+            <a:spLocks/>
+          </p:cNvSpPr>
+          <p:nvPr/>
+        </p:nvSpPr>
+        <p:spPr>
+          <a:xfrm>
+            <a:off x="3831079" y="2819400"/>
+            <a:ext cx="2389276" cy="3810000"/>
+          </a:xfrm>
+          <a:prstGeom prst="rect">
+            <a:avLst/>
+          </a:prstGeom>
+        </p:spPr>
+        <p:txBody>
+          <a:bodyPr vert="horz" lIns="91440" tIns="45720" rIns="91440" bIns="45720" rtlCol="0">
+            <a:noAutofit/>
+          </a:bodyPr>
+          <a:lstStyle>
+            <a:lvl1pPr marL="342900" indent="-342900" algn="l" defTabSz="914400" rtl="0" eaLnBrk="1" latinLnBrk="0" hangingPunct="1">
+              <a:spcBef>
+                <a:spcPct val="20000"/>
+              </a:spcBef>
+              <a:buFont typeface="Arial" pitchFamily="34" charset="0"/>
+              <a:buChar char="•"/>
+              <a:defRPr sz="3200" kern="1200">
+                <a:solidFill>
+                  <a:schemeClr val="tx1"/>
+                </a:solidFill>
+                <a:latin typeface="+mn-lt"/>
+                <a:ea typeface="+mn-ea"/>
+                <a:cs typeface="+mn-cs"/>
+              </a:defRPr>
+            </a:lvl1pPr>
+            <a:lvl2pPr marL="742950" indent="-285750" algn="l" defTabSz="914400" rtl="0" eaLnBrk="1" latinLnBrk="0" hangingPunct="1">
+              <a:spcBef>
+                <a:spcPct val="20000"/>
+              </a:spcBef>
+              <a:buFont typeface="Arial" pitchFamily="34" charset="0"/>
+              <a:buChar char="–"/>
+              <a:defRPr sz="2800" kern="1200">
+                <a:solidFill>
+                  <a:schemeClr val="tx1"/>
+                </a:solidFill>
+                <a:latin typeface="+mn-lt"/>
+                <a:ea typeface="+mn-ea"/>
+                <a:cs typeface="+mn-cs"/>
+              </a:defRPr>
+            </a:lvl2pPr>
+            <a:lvl3pPr marL="1143000" indent="-228600" algn="l" defTabSz="914400" rtl="0" eaLnBrk="1" latinLnBrk="0" hangingPunct="1">
+              <a:spcBef>
+                <a:spcPct val="20000"/>
+              </a:spcBef>
+              <a:buFont typeface="Arial" pitchFamily="34" charset="0"/>
+              <a:buChar char="•"/>
+              <a:defRPr sz="2400" kern="1200">
+                <a:solidFill>
+                  <a:schemeClr val="tx1"/>
+                </a:solidFill>
+                <a:latin typeface="+mn-lt"/>
+                <a:ea typeface="+mn-ea"/>
+                <a:cs typeface="+mn-cs"/>
+              </a:defRPr>
+            </a:lvl3pPr>
+            <a:lvl4pPr marL="1600200" indent="-228600" algn="l" defTabSz="914400" rtl="0" eaLnBrk="1" latinLnBrk="0" hangingPunct="1">
+              <a:spcBef>
+                <a:spcPct val="20000"/>
+              </a:spcBef>
+              <a:buFont typeface="Arial" pitchFamily="34" charset="0"/>
+              <a:buChar char="–"/>
+              <a:defRPr sz="2000" kern="1200">
+                <a:solidFill>
+                  <a:schemeClr val="tx1"/>
+                </a:solidFill>
+                <a:latin typeface="+mn-lt"/>
+                <a:ea typeface="+mn-ea"/>
+                <a:cs typeface="+mn-cs"/>
+              </a:defRPr>
+            </a:lvl4pPr>
+            <a:lvl5pPr marL="2057400" indent="-228600" algn="l" defTabSz="914400" rtl="0" eaLnBrk="1" latinLnBrk="0" hangingPunct="1">
+              <a:spcBef>
+                <a:spcPct val="20000"/>
+              </a:spcBef>
+              <a:buFont typeface="Arial" pitchFamily="34" charset="0"/>
+              <a:buChar char="»"/>
+              <a:defRPr sz="2000" kern="1200">
+                <a:solidFill>
+                  <a:schemeClr val="tx1"/>
+                </a:solidFill>
+                <a:latin typeface="+mn-lt"/>
+                <a:ea typeface="+mn-ea"/>
+                <a:cs typeface="+mn-cs"/>
+              </a:defRPr>
+            </a:lvl5pPr>
+            <a:lvl6pPr marL="2514600" indent="-228600" algn="l" defTabSz="914400" rtl="0" eaLnBrk="1" latinLnBrk="0" hangingPunct="1">
+              <a:spcBef>
+                <a:spcPct val="20000"/>
+              </a:spcBef>
+              <a:buFont typeface="Arial" pitchFamily="34" charset="0"/>
+              <a:buChar char="•"/>
+              <a:defRPr sz="2000" kern="1200">
+                <a:solidFill>
+                  <a:schemeClr val="tx1"/>
+                </a:solidFill>
+                <a:latin typeface="+mn-lt"/>
+                <a:ea typeface="+mn-ea"/>
+                <a:cs typeface="+mn-cs"/>
+              </a:defRPr>
+            </a:lvl6pPr>
+            <a:lvl7pPr marL="2971800" indent="-228600" algn="l" defTabSz="914400" rtl="0" eaLnBrk="1" latinLnBrk="0" hangingPunct="1">
+              <a:spcBef>
+                <a:spcPct val="20000"/>
+              </a:spcBef>
+              <a:buFont typeface="Arial" pitchFamily="34" charset="0"/>
+              <a:buChar char="•"/>
+              <a:defRPr sz="2000" kern="1200">
+                <a:solidFill>
+                  <a:schemeClr val="tx1"/>
+                </a:solidFill>
+                <a:latin typeface="+mn-lt"/>
+                <a:ea typeface="+mn-ea"/>
+                <a:cs typeface="+mn-cs"/>
+              </a:defRPr>
+            </a:lvl7pPr>
+            <a:lvl8pPr marL="3429000" indent="-228600" algn="l" defTabSz="914400" rtl="0" eaLnBrk="1" latinLnBrk="0" hangingPunct="1">
+              <a:spcBef>
+                <a:spcPct val="20000"/>
+              </a:spcBef>
+              <a:buFont typeface="Arial" pitchFamily="34" charset="0"/>
+              <a:buChar char="•"/>
+              <a:defRPr sz="2000" kern="1200">
+                <a:solidFill>
+                  <a:schemeClr val="tx1"/>
+                </a:solidFill>
+                <a:latin typeface="+mn-lt"/>
+                <a:ea typeface="+mn-ea"/>
+                <a:cs typeface="+mn-cs"/>
+              </a:defRPr>
+            </a:lvl8pPr>
+            <a:lvl9pPr marL="3886200" indent="-228600" algn="l" defTabSz="914400" rtl="0" eaLnBrk="1" latinLnBrk="0" hangingPunct="1">
+              <a:spcBef>
+                <a:spcPct val="20000"/>
+              </a:spcBef>
+              <a:buFont typeface="Arial" pitchFamily="34" charset="0"/>
+              <a:buChar char="•"/>
+              <a:defRPr sz="2000" kern="1200">
+                <a:solidFill>
+                  <a:schemeClr val="tx1"/>
+                </a:solidFill>
+                <a:latin typeface="+mn-lt"/>
+                <a:ea typeface="+mn-ea"/>
+                <a:cs typeface="+mn-cs"/>
+              </a:defRPr>
+            </a:lvl9pPr>
+          </a:lstStyle>
+          <a:p>
+            <a:pPr marL="0" indent="0">
+              <a:buFont typeface="Arial" pitchFamily="34" charset="0"/>
+              <a:buNone/>
+            </a:pPr>
+            <a:r>
+              <a:rPr lang="en-CA" sz="2400" dirty="0" smtClean="0">
+                <a:latin typeface="Arial Narrow" panose="020B0606020202030204" pitchFamily="34" charset="0"/>
+              </a:rPr>
+              <a:t>void loop () {</a:t>
+            </a:r>
+          </a:p>
+          <a:p>
+            <a:pPr marL="0" indent="0">
+              <a:buFont typeface="Arial" pitchFamily="34" charset="0"/>
+              <a:buNone/>
+            </a:pPr>
+            <a:r>
+              <a:rPr lang="en-CA" sz="2400" dirty="0" smtClean="0">
+                <a:latin typeface="Arial Narrow" panose="020B0606020202030204" pitchFamily="34" charset="0"/>
+              </a:rPr>
+              <a:t>    </a:t>
+            </a:r>
+            <a:r>
+              <a:rPr lang="en-CA" sz="2400" dirty="0" smtClean="0">
+                <a:solidFill>
+                  <a:srgbClr val="7030A0"/>
+                </a:solidFill>
+                <a:latin typeface="Arial Narrow" panose="020B0606020202030204" pitchFamily="34" charset="0"/>
+              </a:rPr>
+              <a:t>dash(2);</a:t>
+            </a:r>
+          </a:p>
+          <a:p>
+            <a:pPr marL="0" indent="0">
+              <a:buFont typeface="Arial" pitchFamily="34" charset="0"/>
+              <a:buNone/>
+            </a:pPr>
+            <a:r>
+              <a:rPr lang="en-CA" sz="2400" dirty="0" smtClean="0">
+                <a:solidFill>
+                  <a:srgbClr val="0070C0"/>
+                </a:solidFill>
+                <a:latin typeface="Arial Narrow" panose="020B0606020202030204" pitchFamily="34" charset="0"/>
+              </a:rPr>
+              <a:t>    dot(2);</a:t>
+            </a:r>
+          </a:p>
+          <a:p>
+            <a:pPr marL="0" indent="0">
+              <a:buFont typeface="Arial" pitchFamily="34" charset="0"/>
+              <a:buNone/>
+            </a:pPr>
+            <a:r>
+              <a:rPr lang="en-CA" sz="2400" dirty="0" smtClean="0">
+                <a:solidFill>
+                  <a:srgbClr val="7030A0"/>
+                </a:solidFill>
+                <a:latin typeface="Arial Narrow" panose="020B0606020202030204" pitchFamily="34" charset="0"/>
+              </a:rPr>
+              <a:t>    dash(1);</a:t>
+            </a:r>
+          </a:p>
+          <a:p>
+            <a:pPr marL="0" indent="0">
+              <a:buFont typeface="Arial" pitchFamily="34" charset="0"/>
+              <a:buNone/>
+            </a:pPr>
+            <a:r>
+              <a:rPr lang="en-CA" sz="2400" dirty="0" smtClean="0">
+                <a:solidFill>
+                  <a:srgbClr val="0070C0"/>
+                </a:solidFill>
+                <a:latin typeface="Arial Narrow" panose="020B0606020202030204" pitchFamily="34" charset="0"/>
+              </a:rPr>
+              <a:t>    dot(2);</a:t>
+            </a:r>
+          </a:p>
+          <a:p>
+            <a:pPr marL="0" indent="0">
+              <a:buFont typeface="Arial" pitchFamily="34" charset="0"/>
+              <a:buNone/>
+            </a:pPr>
+            <a:r>
+              <a:rPr lang="en-CA" sz="2400" dirty="0" smtClean="0">
+                <a:solidFill>
+                  <a:srgbClr val="7030A0"/>
+                </a:solidFill>
+                <a:latin typeface="Arial Narrow" panose="020B0606020202030204" pitchFamily="34" charset="0"/>
+              </a:rPr>
+              <a:t>    dash(2);</a:t>
+            </a:r>
+          </a:p>
+          <a:p>
+            <a:pPr marL="0" indent="0">
+              <a:buFont typeface="Arial" pitchFamily="34" charset="0"/>
+              <a:buNone/>
+            </a:pPr>
+            <a:r>
+              <a:rPr lang="en-CA" sz="2400" dirty="0" smtClean="0">
+                <a:solidFill>
+                  <a:srgbClr val="0070C0"/>
+                </a:solidFill>
+                <a:latin typeface="Arial Narrow" panose="020B0606020202030204" pitchFamily="34" charset="0"/>
+              </a:rPr>
+              <a:t>    dot();</a:t>
+            </a:r>
+            <a:endParaRPr lang="en-CA" sz="2400" dirty="0" smtClean="0">
+              <a:latin typeface="Arial Narrow" panose="020B0606020202030204" pitchFamily="34" charset="0"/>
+            </a:endParaRPr>
+          </a:p>
+          <a:p>
+            <a:pPr marL="0" indent="0">
+              <a:buFont typeface="Arial" pitchFamily="34" charset="0"/>
+              <a:buNone/>
+            </a:pPr>
+            <a:r>
+              <a:rPr lang="en-CA" sz="2400" dirty="0" smtClean="0">
+                <a:latin typeface="Arial Narrow" panose="020B0606020202030204" pitchFamily="34" charset="0"/>
+              </a:rPr>
+              <a:t>}</a:t>
+            </a:r>
+            <a:endParaRPr lang="en-US" sz="2400" dirty="0">
+              <a:latin typeface="Arial Narrow" panose="020B0606020202030204" pitchFamily="34" charset="0"/>
+            </a:endParaRPr>
           </a:p>
         </p:txBody>
       </p:sp>
     </p:spTree>
     <p:extLst>
       <p:ext uri="{BB962C8B-B14F-4D97-AF65-F5344CB8AC3E}">
-        <p14:creationId xmlns:p14="http://schemas.microsoft.com/office/powerpoint/2010/main" val="945074335"/>
+        <p14:creationId xmlns:p14="http://schemas.microsoft.com/office/powerpoint/2010/main" val="2610961119"/>
       </p:ext>
     </p:extLst>
   </p:cSld>
   <p:clrMapOvr>
     <a:masterClrMapping/>
   </p:clrMapOvr>
+  <p:timing>
+    <p:tnLst>
+      <p:par>
+        <p:cTn id="1" dur="indefinite" restart="never" nodeType="tmRoot"/>
+      </p:par>
+    </p:tnLst>
+  </p:timing>
 </p:sld>
 </file>
 
